--- a/Slide Materi.pptx
+++ b/Slide Materi.pptx
@@ -12,6 +12,13 @@
     <p:sldId id="258" r:id="rId6"/>
     <p:sldId id="261" r:id="rId7"/>
     <p:sldId id="262" r:id="rId8"/>
+    <p:sldId id="263" r:id="rId9"/>
+    <p:sldId id="264" r:id="rId10"/>
+    <p:sldId id="265" r:id="rId11"/>
+    <p:sldId id="266" r:id="rId12"/>
+    <p:sldId id="267" r:id="rId13"/>
+    <p:sldId id="268" r:id="rId14"/>
+    <p:sldId id="269" r:id="rId15"/>
   </p:sldIdLst>
   <p:sldSz cx="12192000" cy="6858000"/>
   <p:notesSz cx="6858000" cy="9144000"/>
@@ -110,6 +117,11 @@
       </a:defRPr>
     </a:lvl9pPr>
   </p:defaultTextStyle>
+  <p:extLst>
+    <p:ext uri="{EFAFB233-063F-42B5-8137-9DF3F51BA10A}">
+      <p15:sldGuideLst xmlns:p15="http://schemas.microsoft.com/office/powerpoint/2012/main"/>
+    </p:ext>
+  </p:extLst>
 </p:presentation>
 </file>
 
@@ -260,7 +272,7 @@
           <a:p>
             <a:fld id="{349A5C60-193D-4DAD-AB49-D93BAAEC15B0}" type="datetimeFigureOut">
               <a:rPr lang="en-US" smtClean="0"/>
-              <a:t>8/18/2025</a:t>
+              <a:t>8/20/2025</a:t>
             </a:fld>
             <a:endParaRPr lang="en-US"/>
           </a:p>
@@ -458,7 +470,7 @@
           <a:p>
             <a:fld id="{349A5C60-193D-4DAD-AB49-D93BAAEC15B0}" type="datetimeFigureOut">
               <a:rPr lang="en-US" smtClean="0"/>
-              <a:t>8/18/2025</a:t>
+              <a:t>8/20/2025</a:t>
             </a:fld>
             <a:endParaRPr lang="en-US"/>
           </a:p>
@@ -666,7 +678,7 @@
           <a:p>
             <a:fld id="{349A5C60-193D-4DAD-AB49-D93BAAEC15B0}" type="datetimeFigureOut">
               <a:rPr lang="en-US" smtClean="0"/>
-              <a:t>8/18/2025</a:t>
+              <a:t>8/20/2025</a:t>
             </a:fld>
             <a:endParaRPr lang="en-US"/>
           </a:p>
@@ -864,7 +876,7 @@
           <a:p>
             <a:fld id="{349A5C60-193D-4DAD-AB49-D93BAAEC15B0}" type="datetimeFigureOut">
               <a:rPr lang="en-US" smtClean="0"/>
-              <a:t>8/18/2025</a:t>
+              <a:t>8/20/2025</a:t>
             </a:fld>
             <a:endParaRPr lang="en-US"/>
           </a:p>
@@ -1139,7 +1151,7 @@
           <a:p>
             <a:fld id="{349A5C60-193D-4DAD-AB49-D93BAAEC15B0}" type="datetimeFigureOut">
               <a:rPr lang="en-US" smtClean="0"/>
-              <a:t>8/18/2025</a:t>
+              <a:t>8/20/2025</a:t>
             </a:fld>
             <a:endParaRPr lang="en-US"/>
           </a:p>
@@ -1404,7 +1416,7 @@
           <a:p>
             <a:fld id="{349A5C60-193D-4DAD-AB49-D93BAAEC15B0}" type="datetimeFigureOut">
               <a:rPr lang="en-US" smtClean="0"/>
-              <a:t>8/18/2025</a:t>
+              <a:t>8/20/2025</a:t>
             </a:fld>
             <a:endParaRPr lang="en-US"/>
           </a:p>
@@ -1816,7 +1828,7 @@
           <a:p>
             <a:fld id="{349A5C60-193D-4DAD-AB49-D93BAAEC15B0}" type="datetimeFigureOut">
               <a:rPr lang="en-US" smtClean="0"/>
-              <a:t>8/18/2025</a:t>
+              <a:t>8/20/2025</a:t>
             </a:fld>
             <a:endParaRPr lang="en-US"/>
           </a:p>
@@ -1957,7 +1969,7 @@
           <a:p>
             <a:fld id="{349A5C60-193D-4DAD-AB49-D93BAAEC15B0}" type="datetimeFigureOut">
               <a:rPr lang="en-US" smtClean="0"/>
-              <a:t>8/18/2025</a:t>
+              <a:t>8/20/2025</a:t>
             </a:fld>
             <a:endParaRPr lang="en-US"/>
           </a:p>
@@ -2070,7 +2082,7 @@
           <a:p>
             <a:fld id="{349A5C60-193D-4DAD-AB49-D93BAAEC15B0}" type="datetimeFigureOut">
               <a:rPr lang="en-US" smtClean="0"/>
-              <a:t>8/18/2025</a:t>
+              <a:t>8/20/2025</a:t>
             </a:fld>
             <a:endParaRPr lang="en-US"/>
           </a:p>
@@ -2381,7 +2393,7 @@
           <a:p>
             <a:fld id="{349A5C60-193D-4DAD-AB49-D93BAAEC15B0}" type="datetimeFigureOut">
               <a:rPr lang="en-US" smtClean="0"/>
-              <a:t>8/18/2025</a:t>
+              <a:t>8/20/2025</a:t>
             </a:fld>
             <a:endParaRPr lang="en-US"/>
           </a:p>
@@ -2669,7 +2681,7 @@
           <a:p>
             <a:fld id="{349A5C60-193D-4DAD-AB49-D93BAAEC15B0}" type="datetimeFigureOut">
               <a:rPr lang="en-US" smtClean="0"/>
-              <a:t>8/18/2025</a:t>
+              <a:t>8/20/2025</a:t>
             </a:fld>
             <a:endParaRPr lang="en-US"/>
           </a:p>
@@ -2910,7 +2922,7 @@
           <a:p>
             <a:fld id="{349A5C60-193D-4DAD-AB49-D93BAAEC15B0}" type="datetimeFigureOut">
               <a:rPr lang="en-US" smtClean="0"/>
-              <a:t>8/18/2025</a:t>
+              <a:t>8/20/2025</a:t>
             </a:fld>
             <a:endParaRPr lang="en-US"/>
           </a:p>
@@ -3566,8 +3578,19 @@
                 <a:latin typeface="Arial" panose="020B0604020202020204" pitchFamily="34" charset="0"/>
                 <a:cs typeface="Arial" panose="020B0604020202020204" pitchFamily="34" charset="0"/>
               </a:rPr>
-              <a:t>By : Rian Rudianto</a:t>
-            </a:r>
+              <a:t>By : </a:t>
+            </a:r>
+            <a:r>
+              <a:rPr lang="en-US" sz="1400" dirty="0" err="1">
+                <a:latin typeface="Arial" panose="020B0604020202020204" pitchFamily="34" charset="0"/>
+                <a:cs typeface="Arial" panose="020B0604020202020204" pitchFamily="34" charset="0"/>
+              </a:rPr>
+              <a:t>RudiTech</a:t>
+            </a:r>
+            <a:endParaRPr lang="en-US" sz="1400" dirty="0">
+              <a:latin typeface="Arial" panose="020B0604020202020204" pitchFamily="34" charset="0"/>
+              <a:cs typeface="Arial" panose="020B0604020202020204" pitchFamily="34" charset="0"/>
+            </a:endParaRPr>
           </a:p>
         </p:txBody>
       </p:sp>
@@ -3722,6 +3745,2465 @@
     <p:extLst>
       <p:ext uri="{BB962C8B-B14F-4D97-AF65-F5344CB8AC3E}">
         <p14:creationId xmlns:p14="http://schemas.microsoft.com/office/powerpoint/2010/main" val="233493821"/>
+      </p:ext>
+    </p:extLst>
+  </p:cSld>
+  <p:clrMapOvr>
+    <a:masterClrMapping/>
+  </p:clrMapOvr>
+</p:sld>
+</file>
+
+<file path=ppt/slides/slide10.xml><?xml version="1.0" encoding="utf-8"?>
+<p:sld xmlns:a="http://schemas.openxmlformats.org/drawingml/2006/main" xmlns:r="http://schemas.openxmlformats.org/officeDocument/2006/relationships" xmlns:p="http://schemas.openxmlformats.org/presentationml/2006/main">
+  <p:cSld>
+    <p:bg>
+      <p:bgPr>
+        <a:solidFill>
+          <a:srgbClr val="FFEEAF"/>
+        </a:solidFill>
+        <a:effectLst/>
+      </p:bgPr>
+    </p:bg>
+    <p:spTree>
+      <p:nvGrpSpPr>
+        <p:cNvPr id="1" name=""/>
+        <p:cNvGrpSpPr/>
+        <p:nvPr/>
+      </p:nvGrpSpPr>
+      <p:grpSpPr>
+        <a:xfrm>
+          <a:off x="0" y="0"/>
+          <a:ext cx="0" cy="0"/>
+          <a:chOff x="0" y="0"/>
+          <a:chExt cx="0" cy="0"/>
+        </a:xfrm>
+      </p:grpSpPr>
+      <p:sp>
+        <p:nvSpPr>
+          <p:cNvPr id="5" name="Hexagon 4">
+            <a:extLst>
+              <a:ext uri="{FF2B5EF4-FFF2-40B4-BE49-F238E27FC236}">
+                <a16:creationId xmlns:a16="http://schemas.microsoft.com/office/drawing/2014/main" id="{A6FC8D59-F2EA-41B6-9B2B-691D69848BF4}"/>
+              </a:ext>
+            </a:extLst>
+          </p:cNvPr>
+          <p:cNvSpPr/>
+          <p:nvPr/>
+        </p:nvSpPr>
+        <p:spPr>
+          <a:xfrm>
+            <a:off x="0" y="6382139"/>
+            <a:ext cx="12192000" cy="475861"/>
+          </a:xfrm>
+          <a:prstGeom prst="hexagon">
+            <a:avLst/>
+          </a:prstGeom>
+          <a:solidFill>
+            <a:srgbClr val="FDDC99"/>
+          </a:solidFill>
+          <a:ln>
+            <a:noFill/>
+          </a:ln>
+        </p:spPr>
+        <p:style>
+          <a:lnRef idx="2">
+            <a:schemeClr val="accent1">
+              <a:shade val="50000"/>
+            </a:schemeClr>
+          </a:lnRef>
+          <a:fillRef idx="1">
+            <a:schemeClr val="accent1"/>
+          </a:fillRef>
+          <a:effectRef idx="0">
+            <a:schemeClr val="accent1"/>
+          </a:effectRef>
+          <a:fontRef idx="minor">
+            <a:schemeClr val="lt1"/>
+          </a:fontRef>
+        </p:style>
+        <p:txBody>
+          <a:bodyPr rtlCol="0" anchor="ctr"/>
+          <a:lstStyle/>
+          <a:p>
+            <a:pPr algn="ctr"/>
+            <a:endParaRPr lang="en-US"/>
+          </a:p>
+        </p:txBody>
+      </p:sp>
+      <p:sp>
+        <p:nvSpPr>
+          <p:cNvPr id="6" name="TextBox 5">
+            <a:extLst>
+              <a:ext uri="{FF2B5EF4-FFF2-40B4-BE49-F238E27FC236}">
+                <a16:creationId xmlns:a16="http://schemas.microsoft.com/office/drawing/2014/main" id="{BB556249-D6C3-4CAE-9C8A-F2F6FD9A0527}"/>
+              </a:ext>
+            </a:extLst>
+          </p:cNvPr>
+          <p:cNvSpPr txBox="1"/>
+          <p:nvPr/>
+        </p:nvSpPr>
+        <p:spPr>
+          <a:xfrm>
+            <a:off x="139961" y="6466180"/>
+            <a:ext cx="1352938" cy="307777"/>
+          </a:xfrm>
+          <a:prstGeom prst="rect">
+            <a:avLst/>
+          </a:prstGeom>
+          <a:noFill/>
+        </p:spPr>
+        <p:txBody>
+          <a:bodyPr wrap="square" rtlCol="0">
+            <a:spAutoFit/>
+          </a:bodyPr>
+          <a:lstStyle/>
+          <a:p>
+            <a:r>
+              <a:rPr lang="en-US" sz="1400" dirty="0">
+                <a:latin typeface="Arial" panose="020B0604020202020204" pitchFamily="34" charset="0"/>
+                <a:cs typeface="Arial" panose="020B0604020202020204" pitchFamily="34" charset="0"/>
+              </a:rPr>
+              <a:t>Learn Dot Net</a:t>
+            </a:r>
+          </a:p>
+        </p:txBody>
+      </p:sp>
+      <p:pic>
+        <p:nvPicPr>
+          <p:cNvPr id="8" name="Picture 7">
+            <a:extLst>
+              <a:ext uri="{FF2B5EF4-FFF2-40B4-BE49-F238E27FC236}">
+                <a16:creationId xmlns:a16="http://schemas.microsoft.com/office/drawing/2014/main" id="{5B12481C-3788-4717-8B01-26D84395E517}"/>
+              </a:ext>
+            </a:extLst>
+          </p:cNvPr>
+          <p:cNvPicPr>
+            <a:picLocks noChangeAspect="1"/>
+          </p:cNvPicPr>
+          <p:nvPr/>
+        </p:nvPicPr>
+        <p:blipFill>
+          <a:blip r:embed="rId2">
+            <a:extLst>
+              <a:ext uri="{28A0092B-C50C-407E-A947-70E740481C1C}">
+                <a14:useLocalDpi xmlns:a14="http://schemas.microsoft.com/office/drawing/2010/main" val="0"/>
+              </a:ext>
+            </a:extLst>
+          </a:blip>
+          <a:stretch>
+            <a:fillRect/>
+          </a:stretch>
+        </p:blipFill>
+        <p:spPr>
+          <a:xfrm>
+            <a:off x="2771532" y="6418581"/>
+            <a:ext cx="428532" cy="428532"/>
+          </a:xfrm>
+          <a:prstGeom prst="rect">
+            <a:avLst/>
+          </a:prstGeom>
+        </p:spPr>
+      </p:pic>
+      <p:pic>
+        <p:nvPicPr>
+          <p:cNvPr id="10" name="Picture 9">
+            <a:extLst>
+              <a:ext uri="{FF2B5EF4-FFF2-40B4-BE49-F238E27FC236}">
+                <a16:creationId xmlns:a16="http://schemas.microsoft.com/office/drawing/2014/main" id="{345E9388-4C0F-42C1-98B3-01F36604E654}"/>
+              </a:ext>
+            </a:extLst>
+          </p:cNvPr>
+          <p:cNvPicPr>
+            <a:picLocks noChangeAspect="1"/>
+          </p:cNvPicPr>
+          <p:nvPr/>
+        </p:nvPicPr>
+        <p:blipFill>
+          <a:blip r:embed="rId3">
+            <a:extLst>
+              <a:ext uri="{28A0092B-C50C-407E-A947-70E740481C1C}">
+                <a14:useLocalDpi xmlns:a14="http://schemas.microsoft.com/office/drawing/2010/main" val="0"/>
+              </a:ext>
+            </a:extLst>
+          </a:blip>
+          <a:stretch>
+            <a:fillRect/>
+          </a:stretch>
+        </p:blipFill>
+        <p:spPr>
+          <a:xfrm>
+            <a:off x="2030676" y="6304262"/>
+            <a:ext cx="631611" cy="631611"/>
+          </a:xfrm>
+          <a:prstGeom prst="rect">
+            <a:avLst/>
+          </a:prstGeom>
+        </p:spPr>
+      </p:pic>
+      <p:pic>
+        <p:nvPicPr>
+          <p:cNvPr id="12" name="Picture 11">
+            <a:extLst>
+              <a:ext uri="{FF2B5EF4-FFF2-40B4-BE49-F238E27FC236}">
+                <a16:creationId xmlns:a16="http://schemas.microsoft.com/office/drawing/2014/main" id="{A5532C44-1A73-45B2-A058-A2341A56D443}"/>
+              </a:ext>
+            </a:extLst>
+          </p:cNvPr>
+          <p:cNvPicPr>
+            <a:picLocks noChangeAspect="1"/>
+          </p:cNvPicPr>
+          <p:nvPr/>
+        </p:nvPicPr>
+        <p:blipFill>
+          <a:blip r:embed="rId4">
+            <a:extLst>
+              <a:ext uri="{28A0092B-C50C-407E-A947-70E740481C1C}">
+                <a14:useLocalDpi xmlns:a14="http://schemas.microsoft.com/office/drawing/2010/main" val="0"/>
+              </a:ext>
+            </a:extLst>
+          </a:blip>
+          <a:stretch>
+            <a:fillRect/>
+          </a:stretch>
+        </p:blipFill>
+        <p:spPr>
+          <a:xfrm>
+            <a:off x="1492899" y="6418581"/>
+            <a:ext cx="428532" cy="428532"/>
+          </a:xfrm>
+          <a:prstGeom prst="rect">
+            <a:avLst/>
+          </a:prstGeom>
+        </p:spPr>
+      </p:pic>
+      <p:sp>
+        <p:nvSpPr>
+          <p:cNvPr id="13" name="TextBox 12">
+            <a:extLst>
+              <a:ext uri="{FF2B5EF4-FFF2-40B4-BE49-F238E27FC236}">
+                <a16:creationId xmlns:a16="http://schemas.microsoft.com/office/drawing/2014/main" id="{C3FCE596-B98C-4E60-9745-82E26D583434}"/>
+              </a:ext>
+            </a:extLst>
+          </p:cNvPr>
+          <p:cNvSpPr txBox="1"/>
+          <p:nvPr/>
+        </p:nvSpPr>
+        <p:spPr>
+          <a:xfrm>
+            <a:off x="10291665" y="6478958"/>
+            <a:ext cx="1760374" cy="307777"/>
+          </a:xfrm>
+          <a:prstGeom prst="rect">
+            <a:avLst/>
+          </a:prstGeom>
+          <a:noFill/>
+        </p:spPr>
+        <p:txBody>
+          <a:bodyPr wrap="square" rtlCol="0">
+            <a:spAutoFit/>
+          </a:bodyPr>
+          <a:lstStyle/>
+          <a:p>
+            <a:r>
+              <a:rPr lang="en-US" sz="1400" dirty="0">
+                <a:latin typeface="Arial" panose="020B0604020202020204" pitchFamily="34" charset="0"/>
+                <a:cs typeface="Arial" panose="020B0604020202020204" pitchFamily="34" charset="0"/>
+              </a:rPr>
+              <a:t>By : </a:t>
+            </a:r>
+            <a:r>
+              <a:rPr lang="en-US" sz="1400" dirty="0" err="1">
+                <a:latin typeface="Arial" panose="020B0604020202020204" pitchFamily="34" charset="0"/>
+                <a:cs typeface="Arial" panose="020B0604020202020204" pitchFamily="34" charset="0"/>
+              </a:rPr>
+              <a:t>RudiTech</a:t>
+            </a:r>
+            <a:endParaRPr lang="en-US" sz="1400" dirty="0">
+              <a:latin typeface="Arial" panose="020B0604020202020204" pitchFamily="34" charset="0"/>
+              <a:cs typeface="Arial" panose="020B0604020202020204" pitchFamily="34" charset="0"/>
+            </a:endParaRPr>
+          </a:p>
+        </p:txBody>
+      </p:sp>
+      <p:sp>
+        <p:nvSpPr>
+          <p:cNvPr id="16" name="TextBox 15">
+            <a:extLst>
+              <a:ext uri="{FF2B5EF4-FFF2-40B4-BE49-F238E27FC236}">
+                <a16:creationId xmlns:a16="http://schemas.microsoft.com/office/drawing/2014/main" id="{362C83C0-F879-4D86-88D6-8C5F22FB3A85}"/>
+              </a:ext>
+            </a:extLst>
+          </p:cNvPr>
+          <p:cNvSpPr txBox="1"/>
+          <p:nvPr/>
+        </p:nvSpPr>
+        <p:spPr>
+          <a:xfrm>
+            <a:off x="816430" y="1688839"/>
+            <a:ext cx="5279569" cy="2554545"/>
+          </a:xfrm>
+          <a:prstGeom prst="rect">
+            <a:avLst/>
+          </a:prstGeom>
+          <a:noFill/>
+        </p:spPr>
+        <p:txBody>
+          <a:bodyPr wrap="square" rtlCol="0">
+            <a:spAutoFit/>
+          </a:bodyPr>
+          <a:lstStyle/>
+          <a:p>
+            <a:pPr algn="just"/>
+            <a:r>
+              <a:rPr lang="en-US" sz="2000" b="1" dirty="0">
+                <a:latin typeface="Arial" panose="020B0604020202020204" pitchFamily="34" charset="0"/>
+                <a:cs typeface="Arial" panose="020B0604020202020204" pitchFamily="34" charset="0"/>
+              </a:rPr>
+              <a:t>What is Controller?</a:t>
+            </a:r>
+          </a:p>
+          <a:p>
+            <a:pPr algn="just"/>
+            <a:endParaRPr lang="en-US" sz="2000" b="1" dirty="0">
+              <a:latin typeface="Arial" panose="020B0604020202020204" pitchFamily="34" charset="0"/>
+              <a:cs typeface="Arial" panose="020B0604020202020204" pitchFamily="34" charset="0"/>
+            </a:endParaRPr>
+          </a:p>
+          <a:p>
+            <a:pPr marL="342900" indent="-342900" algn="just">
+              <a:buFont typeface="Arial" panose="020B0604020202020204" pitchFamily="34" charset="0"/>
+              <a:buChar char="•"/>
+            </a:pPr>
+            <a:r>
+              <a:rPr lang="en-US" sz="1400" dirty="0">
+                <a:latin typeface="Arial" panose="020B0604020202020204" pitchFamily="34" charset="0"/>
+                <a:cs typeface="Arial" panose="020B0604020202020204" pitchFamily="34" charset="0"/>
+              </a:rPr>
+              <a:t>Controller is the gateway to the web API</a:t>
+            </a:r>
+          </a:p>
+          <a:p>
+            <a:pPr marL="342900" indent="-342900" algn="just">
+              <a:buFont typeface="Arial" panose="020B0604020202020204" pitchFamily="34" charset="0"/>
+              <a:buChar char="•"/>
+            </a:pPr>
+            <a:r>
+              <a:rPr lang="en-US" sz="1400" dirty="0">
+                <a:latin typeface="Arial" panose="020B0604020202020204" pitchFamily="34" charset="0"/>
+                <a:cs typeface="Arial" panose="020B0604020202020204" pitchFamily="34" charset="0"/>
+              </a:rPr>
+              <a:t>For example default controller when first create dot net web </a:t>
+            </a:r>
+            <a:r>
+              <a:rPr lang="en-US" sz="1400" dirty="0" err="1">
+                <a:latin typeface="Arial" panose="020B0604020202020204" pitchFamily="34" charset="0"/>
+                <a:cs typeface="Arial" panose="020B0604020202020204" pitchFamily="34" charset="0"/>
+              </a:rPr>
+              <a:t>api</a:t>
+            </a:r>
+            <a:r>
+              <a:rPr lang="en-US" sz="1400" dirty="0">
+                <a:latin typeface="Arial" panose="020B0604020202020204" pitchFamily="34" charset="0"/>
+                <a:cs typeface="Arial" panose="020B0604020202020204" pitchFamily="34" charset="0"/>
+              </a:rPr>
+              <a:t> is </a:t>
+            </a:r>
+            <a:r>
+              <a:rPr lang="en-US" sz="1400" dirty="0" err="1">
+                <a:latin typeface="Arial" panose="020B0604020202020204" pitchFamily="34" charset="0"/>
+                <a:cs typeface="Arial" panose="020B0604020202020204" pitchFamily="34" charset="0"/>
+              </a:rPr>
+              <a:t>WeatherForecastController</a:t>
+            </a:r>
+            <a:endParaRPr lang="en-US" sz="1400" dirty="0">
+              <a:latin typeface="Arial" panose="020B0604020202020204" pitchFamily="34" charset="0"/>
+              <a:cs typeface="Arial" panose="020B0604020202020204" pitchFamily="34" charset="0"/>
+            </a:endParaRPr>
+          </a:p>
+          <a:p>
+            <a:pPr marL="342900" indent="-342900" algn="just">
+              <a:buFont typeface="Arial" panose="020B0604020202020204" pitchFamily="34" charset="0"/>
+              <a:buChar char="•"/>
+            </a:pPr>
+            <a:r>
+              <a:rPr lang="en-US" sz="1400" dirty="0">
+                <a:latin typeface="Arial" panose="020B0604020202020204" pitchFamily="34" charset="0"/>
+                <a:cs typeface="Arial" panose="020B0604020202020204" pitchFamily="34" charset="0"/>
+              </a:rPr>
+              <a:t>The controller contains action methods to handle HTTP requests.</a:t>
+            </a:r>
+          </a:p>
+          <a:p>
+            <a:pPr marL="800100" lvl="1" indent="-342900" algn="just">
+              <a:buFont typeface="Arial" panose="020B0604020202020204" pitchFamily="34" charset="0"/>
+              <a:buChar char="•"/>
+            </a:pPr>
+            <a:r>
+              <a:rPr lang="en-US" sz="1200" b="1" dirty="0">
+                <a:latin typeface="Arial" panose="020B0604020202020204" pitchFamily="34" charset="0"/>
+                <a:cs typeface="Arial" panose="020B0604020202020204" pitchFamily="34" charset="0"/>
+              </a:rPr>
+              <a:t>GET	: For get data</a:t>
+            </a:r>
+          </a:p>
+          <a:p>
+            <a:pPr marL="800100" lvl="1" indent="-342900" algn="just">
+              <a:buFont typeface="Arial" panose="020B0604020202020204" pitchFamily="34" charset="0"/>
+              <a:buChar char="•"/>
+            </a:pPr>
+            <a:r>
+              <a:rPr lang="en-US" sz="1200" b="1" dirty="0">
+                <a:latin typeface="Arial" panose="020B0604020202020204" pitchFamily="34" charset="0"/>
+                <a:cs typeface="Arial" panose="020B0604020202020204" pitchFamily="34" charset="0"/>
+              </a:rPr>
+              <a:t>POST	: For add data</a:t>
+            </a:r>
+          </a:p>
+          <a:p>
+            <a:pPr marL="800100" lvl="1" indent="-342900" algn="just">
+              <a:buFont typeface="Arial" panose="020B0604020202020204" pitchFamily="34" charset="0"/>
+              <a:buChar char="•"/>
+            </a:pPr>
+            <a:r>
+              <a:rPr lang="en-US" sz="1200" b="1" dirty="0">
+                <a:latin typeface="Arial" panose="020B0604020202020204" pitchFamily="34" charset="0"/>
+                <a:cs typeface="Arial" panose="020B0604020202020204" pitchFamily="34" charset="0"/>
+              </a:rPr>
+              <a:t>PUT	: For update data</a:t>
+            </a:r>
+          </a:p>
+          <a:p>
+            <a:pPr marL="800100" lvl="1" indent="-342900" algn="just">
+              <a:buFont typeface="Arial" panose="020B0604020202020204" pitchFamily="34" charset="0"/>
+              <a:buChar char="•"/>
+            </a:pPr>
+            <a:r>
+              <a:rPr lang="en-US" sz="1200" b="1" dirty="0">
+                <a:latin typeface="Arial" panose="020B0604020202020204" pitchFamily="34" charset="0"/>
+                <a:cs typeface="Arial" panose="020B0604020202020204" pitchFamily="34" charset="0"/>
+              </a:rPr>
+              <a:t>DELETE	: For delete data</a:t>
+            </a:r>
+            <a:endParaRPr lang="en-US" sz="1400" b="1" dirty="0">
+              <a:latin typeface="Arial" panose="020B0604020202020204" pitchFamily="34" charset="0"/>
+              <a:cs typeface="Arial" panose="020B0604020202020204" pitchFamily="34" charset="0"/>
+            </a:endParaRPr>
+          </a:p>
+        </p:txBody>
+      </p:sp>
+      <p:sp>
+        <p:nvSpPr>
+          <p:cNvPr id="2" name="Rectangle 1">
+            <a:extLst>
+              <a:ext uri="{FF2B5EF4-FFF2-40B4-BE49-F238E27FC236}">
+                <a16:creationId xmlns:a16="http://schemas.microsoft.com/office/drawing/2014/main" id="{9C0726B1-7C9F-475E-9A67-2494BAECFE27}"/>
+              </a:ext>
+            </a:extLst>
+          </p:cNvPr>
+          <p:cNvSpPr/>
+          <p:nvPr/>
+        </p:nvSpPr>
+        <p:spPr>
+          <a:xfrm>
+            <a:off x="905069" y="1054359"/>
+            <a:ext cx="587830" cy="83976"/>
+          </a:xfrm>
+          <a:prstGeom prst="rect">
+            <a:avLst/>
+          </a:prstGeom>
+          <a:solidFill>
+            <a:schemeClr val="accent4"/>
+          </a:solidFill>
+        </p:spPr>
+        <p:style>
+          <a:lnRef idx="2">
+            <a:schemeClr val="accent1">
+              <a:shade val="50000"/>
+            </a:schemeClr>
+          </a:lnRef>
+          <a:fillRef idx="1">
+            <a:schemeClr val="accent1"/>
+          </a:fillRef>
+          <a:effectRef idx="0">
+            <a:schemeClr val="accent1"/>
+          </a:effectRef>
+          <a:fontRef idx="minor">
+            <a:schemeClr val="lt1"/>
+          </a:fontRef>
+        </p:style>
+        <p:txBody>
+          <a:bodyPr rtlCol="0" anchor="ctr"/>
+          <a:lstStyle/>
+          <a:p>
+            <a:pPr algn="ctr"/>
+            <a:endParaRPr lang="en-US"/>
+          </a:p>
+        </p:txBody>
+      </p:sp>
+      <p:sp>
+        <p:nvSpPr>
+          <p:cNvPr id="11" name="Rectangle 10">
+            <a:extLst>
+              <a:ext uri="{FF2B5EF4-FFF2-40B4-BE49-F238E27FC236}">
+                <a16:creationId xmlns:a16="http://schemas.microsoft.com/office/drawing/2014/main" id="{7934963B-1024-4582-BFAD-7FE21B7788C5}"/>
+              </a:ext>
+            </a:extLst>
+          </p:cNvPr>
+          <p:cNvSpPr/>
+          <p:nvPr/>
+        </p:nvSpPr>
+        <p:spPr>
+          <a:xfrm>
+            <a:off x="1486673" y="1057472"/>
+            <a:ext cx="587830" cy="83976"/>
+          </a:xfrm>
+          <a:prstGeom prst="rect">
+            <a:avLst/>
+          </a:prstGeom>
+          <a:solidFill>
+            <a:srgbClr val="00B050"/>
+          </a:solidFill>
+        </p:spPr>
+        <p:style>
+          <a:lnRef idx="2">
+            <a:schemeClr val="accent1">
+              <a:shade val="50000"/>
+            </a:schemeClr>
+          </a:lnRef>
+          <a:fillRef idx="1">
+            <a:schemeClr val="accent1"/>
+          </a:fillRef>
+          <a:effectRef idx="0">
+            <a:schemeClr val="accent1"/>
+          </a:effectRef>
+          <a:fontRef idx="minor">
+            <a:schemeClr val="lt1"/>
+          </a:fontRef>
+        </p:style>
+        <p:txBody>
+          <a:bodyPr rtlCol="0" anchor="ctr"/>
+          <a:lstStyle/>
+          <a:p>
+            <a:pPr algn="ctr"/>
+            <a:endParaRPr lang="en-US"/>
+          </a:p>
+        </p:txBody>
+      </p:sp>
+    </p:spTree>
+    <p:extLst>
+      <p:ext uri="{BB962C8B-B14F-4D97-AF65-F5344CB8AC3E}">
+        <p14:creationId xmlns:p14="http://schemas.microsoft.com/office/powerpoint/2010/main" val="812067402"/>
+      </p:ext>
+    </p:extLst>
+  </p:cSld>
+  <p:clrMapOvr>
+    <a:masterClrMapping/>
+  </p:clrMapOvr>
+</p:sld>
+</file>
+
+<file path=ppt/slides/slide11.xml><?xml version="1.0" encoding="utf-8"?>
+<p:sld xmlns:a="http://schemas.openxmlformats.org/drawingml/2006/main" xmlns:r="http://schemas.openxmlformats.org/officeDocument/2006/relationships" xmlns:p="http://schemas.openxmlformats.org/presentationml/2006/main">
+  <p:cSld>
+    <p:bg>
+      <p:bgPr>
+        <a:solidFill>
+          <a:srgbClr val="FFEEAF"/>
+        </a:solidFill>
+        <a:effectLst/>
+      </p:bgPr>
+    </p:bg>
+    <p:spTree>
+      <p:nvGrpSpPr>
+        <p:cNvPr id="1" name=""/>
+        <p:cNvGrpSpPr/>
+        <p:nvPr/>
+      </p:nvGrpSpPr>
+      <p:grpSpPr>
+        <a:xfrm>
+          <a:off x="0" y="0"/>
+          <a:ext cx="0" cy="0"/>
+          <a:chOff x="0" y="0"/>
+          <a:chExt cx="0" cy="0"/>
+        </a:xfrm>
+      </p:grpSpPr>
+      <p:sp>
+        <p:nvSpPr>
+          <p:cNvPr id="5" name="Hexagon 4">
+            <a:extLst>
+              <a:ext uri="{FF2B5EF4-FFF2-40B4-BE49-F238E27FC236}">
+                <a16:creationId xmlns:a16="http://schemas.microsoft.com/office/drawing/2014/main" id="{A6FC8D59-F2EA-41B6-9B2B-691D69848BF4}"/>
+              </a:ext>
+            </a:extLst>
+          </p:cNvPr>
+          <p:cNvSpPr/>
+          <p:nvPr/>
+        </p:nvSpPr>
+        <p:spPr>
+          <a:xfrm>
+            <a:off x="0" y="6382139"/>
+            <a:ext cx="12192000" cy="475861"/>
+          </a:xfrm>
+          <a:prstGeom prst="hexagon">
+            <a:avLst/>
+          </a:prstGeom>
+          <a:solidFill>
+            <a:srgbClr val="FDDC99"/>
+          </a:solidFill>
+          <a:ln>
+            <a:noFill/>
+          </a:ln>
+        </p:spPr>
+        <p:style>
+          <a:lnRef idx="2">
+            <a:schemeClr val="accent1">
+              <a:shade val="50000"/>
+            </a:schemeClr>
+          </a:lnRef>
+          <a:fillRef idx="1">
+            <a:schemeClr val="accent1"/>
+          </a:fillRef>
+          <a:effectRef idx="0">
+            <a:schemeClr val="accent1"/>
+          </a:effectRef>
+          <a:fontRef idx="minor">
+            <a:schemeClr val="lt1"/>
+          </a:fontRef>
+        </p:style>
+        <p:txBody>
+          <a:bodyPr rtlCol="0" anchor="ctr"/>
+          <a:lstStyle/>
+          <a:p>
+            <a:pPr algn="ctr"/>
+            <a:endParaRPr lang="en-US"/>
+          </a:p>
+        </p:txBody>
+      </p:sp>
+      <p:sp>
+        <p:nvSpPr>
+          <p:cNvPr id="6" name="TextBox 5">
+            <a:extLst>
+              <a:ext uri="{FF2B5EF4-FFF2-40B4-BE49-F238E27FC236}">
+                <a16:creationId xmlns:a16="http://schemas.microsoft.com/office/drawing/2014/main" id="{BB556249-D6C3-4CAE-9C8A-F2F6FD9A0527}"/>
+              </a:ext>
+            </a:extLst>
+          </p:cNvPr>
+          <p:cNvSpPr txBox="1"/>
+          <p:nvPr/>
+        </p:nvSpPr>
+        <p:spPr>
+          <a:xfrm>
+            <a:off x="139961" y="6466180"/>
+            <a:ext cx="1352938" cy="307777"/>
+          </a:xfrm>
+          <a:prstGeom prst="rect">
+            <a:avLst/>
+          </a:prstGeom>
+          <a:noFill/>
+        </p:spPr>
+        <p:txBody>
+          <a:bodyPr wrap="square" rtlCol="0">
+            <a:spAutoFit/>
+          </a:bodyPr>
+          <a:lstStyle/>
+          <a:p>
+            <a:r>
+              <a:rPr lang="en-US" sz="1400" dirty="0">
+                <a:latin typeface="Arial" panose="020B0604020202020204" pitchFamily="34" charset="0"/>
+                <a:cs typeface="Arial" panose="020B0604020202020204" pitchFamily="34" charset="0"/>
+              </a:rPr>
+              <a:t>Learn Dot Net</a:t>
+            </a:r>
+          </a:p>
+        </p:txBody>
+      </p:sp>
+      <p:pic>
+        <p:nvPicPr>
+          <p:cNvPr id="8" name="Picture 7">
+            <a:extLst>
+              <a:ext uri="{FF2B5EF4-FFF2-40B4-BE49-F238E27FC236}">
+                <a16:creationId xmlns:a16="http://schemas.microsoft.com/office/drawing/2014/main" id="{5B12481C-3788-4717-8B01-26D84395E517}"/>
+              </a:ext>
+            </a:extLst>
+          </p:cNvPr>
+          <p:cNvPicPr>
+            <a:picLocks noChangeAspect="1"/>
+          </p:cNvPicPr>
+          <p:nvPr/>
+        </p:nvPicPr>
+        <p:blipFill>
+          <a:blip r:embed="rId2">
+            <a:extLst>
+              <a:ext uri="{28A0092B-C50C-407E-A947-70E740481C1C}">
+                <a14:useLocalDpi xmlns:a14="http://schemas.microsoft.com/office/drawing/2010/main" val="0"/>
+              </a:ext>
+            </a:extLst>
+          </a:blip>
+          <a:stretch>
+            <a:fillRect/>
+          </a:stretch>
+        </p:blipFill>
+        <p:spPr>
+          <a:xfrm>
+            <a:off x="2771532" y="6418581"/>
+            <a:ext cx="428532" cy="428532"/>
+          </a:xfrm>
+          <a:prstGeom prst="rect">
+            <a:avLst/>
+          </a:prstGeom>
+        </p:spPr>
+      </p:pic>
+      <p:pic>
+        <p:nvPicPr>
+          <p:cNvPr id="10" name="Picture 9">
+            <a:extLst>
+              <a:ext uri="{FF2B5EF4-FFF2-40B4-BE49-F238E27FC236}">
+                <a16:creationId xmlns:a16="http://schemas.microsoft.com/office/drawing/2014/main" id="{345E9388-4C0F-42C1-98B3-01F36604E654}"/>
+              </a:ext>
+            </a:extLst>
+          </p:cNvPr>
+          <p:cNvPicPr>
+            <a:picLocks noChangeAspect="1"/>
+          </p:cNvPicPr>
+          <p:nvPr/>
+        </p:nvPicPr>
+        <p:blipFill>
+          <a:blip r:embed="rId3">
+            <a:extLst>
+              <a:ext uri="{28A0092B-C50C-407E-A947-70E740481C1C}">
+                <a14:useLocalDpi xmlns:a14="http://schemas.microsoft.com/office/drawing/2010/main" val="0"/>
+              </a:ext>
+            </a:extLst>
+          </a:blip>
+          <a:stretch>
+            <a:fillRect/>
+          </a:stretch>
+        </p:blipFill>
+        <p:spPr>
+          <a:xfrm>
+            <a:off x="2030676" y="6304262"/>
+            <a:ext cx="631611" cy="631611"/>
+          </a:xfrm>
+          <a:prstGeom prst="rect">
+            <a:avLst/>
+          </a:prstGeom>
+        </p:spPr>
+      </p:pic>
+      <p:pic>
+        <p:nvPicPr>
+          <p:cNvPr id="12" name="Picture 11">
+            <a:extLst>
+              <a:ext uri="{FF2B5EF4-FFF2-40B4-BE49-F238E27FC236}">
+                <a16:creationId xmlns:a16="http://schemas.microsoft.com/office/drawing/2014/main" id="{A5532C44-1A73-45B2-A058-A2341A56D443}"/>
+              </a:ext>
+            </a:extLst>
+          </p:cNvPr>
+          <p:cNvPicPr>
+            <a:picLocks noChangeAspect="1"/>
+          </p:cNvPicPr>
+          <p:nvPr/>
+        </p:nvPicPr>
+        <p:blipFill>
+          <a:blip r:embed="rId4">
+            <a:extLst>
+              <a:ext uri="{28A0092B-C50C-407E-A947-70E740481C1C}">
+                <a14:useLocalDpi xmlns:a14="http://schemas.microsoft.com/office/drawing/2010/main" val="0"/>
+              </a:ext>
+            </a:extLst>
+          </a:blip>
+          <a:stretch>
+            <a:fillRect/>
+          </a:stretch>
+        </p:blipFill>
+        <p:spPr>
+          <a:xfrm>
+            <a:off x="1492899" y="6418581"/>
+            <a:ext cx="428532" cy="428532"/>
+          </a:xfrm>
+          <a:prstGeom prst="rect">
+            <a:avLst/>
+          </a:prstGeom>
+        </p:spPr>
+      </p:pic>
+      <p:sp>
+        <p:nvSpPr>
+          <p:cNvPr id="13" name="TextBox 12">
+            <a:extLst>
+              <a:ext uri="{FF2B5EF4-FFF2-40B4-BE49-F238E27FC236}">
+                <a16:creationId xmlns:a16="http://schemas.microsoft.com/office/drawing/2014/main" id="{C3FCE596-B98C-4E60-9745-82E26D583434}"/>
+              </a:ext>
+            </a:extLst>
+          </p:cNvPr>
+          <p:cNvSpPr txBox="1"/>
+          <p:nvPr/>
+        </p:nvSpPr>
+        <p:spPr>
+          <a:xfrm>
+            <a:off x="10291665" y="6478958"/>
+            <a:ext cx="1760374" cy="307777"/>
+          </a:xfrm>
+          <a:prstGeom prst="rect">
+            <a:avLst/>
+          </a:prstGeom>
+          <a:noFill/>
+        </p:spPr>
+        <p:txBody>
+          <a:bodyPr wrap="square" rtlCol="0">
+            <a:spAutoFit/>
+          </a:bodyPr>
+          <a:lstStyle/>
+          <a:p>
+            <a:r>
+              <a:rPr lang="en-US" sz="1400" dirty="0">
+                <a:latin typeface="Arial" panose="020B0604020202020204" pitchFamily="34" charset="0"/>
+                <a:cs typeface="Arial" panose="020B0604020202020204" pitchFamily="34" charset="0"/>
+              </a:rPr>
+              <a:t>By : </a:t>
+            </a:r>
+            <a:r>
+              <a:rPr lang="en-US" sz="1400" dirty="0" err="1">
+                <a:latin typeface="Arial" panose="020B0604020202020204" pitchFamily="34" charset="0"/>
+                <a:cs typeface="Arial" panose="020B0604020202020204" pitchFamily="34" charset="0"/>
+              </a:rPr>
+              <a:t>RudiTech</a:t>
+            </a:r>
+            <a:endParaRPr lang="en-US" sz="1400" dirty="0">
+              <a:latin typeface="Arial" panose="020B0604020202020204" pitchFamily="34" charset="0"/>
+              <a:cs typeface="Arial" panose="020B0604020202020204" pitchFamily="34" charset="0"/>
+            </a:endParaRPr>
+          </a:p>
+        </p:txBody>
+      </p:sp>
+      <p:sp>
+        <p:nvSpPr>
+          <p:cNvPr id="16" name="TextBox 15">
+            <a:extLst>
+              <a:ext uri="{FF2B5EF4-FFF2-40B4-BE49-F238E27FC236}">
+                <a16:creationId xmlns:a16="http://schemas.microsoft.com/office/drawing/2014/main" id="{362C83C0-F879-4D86-88D6-8C5F22FB3A85}"/>
+              </a:ext>
+            </a:extLst>
+          </p:cNvPr>
+          <p:cNvSpPr txBox="1"/>
+          <p:nvPr/>
+        </p:nvSpPr>
+        <p:spPr>
+          <a:xfrm>
+            <a:off x="816431" y="1688839"/>
+            <a:ext cx="3857170" cy="1261884"/>
+          </a:xfrm>
+          <a:prstGeom prst="rect">
+            <a:avLst/>
+          </a:prstGeom>
+          <a:noFill/>
+        </p:spPr>
+        <p:txBody>
+          <a:bodyPr wrap="square" rtlCol="0">
+            <a:spAutoFit/>
+          </a:bodyPr>
+          <a:lstStyle/>
+          <a:p>
+            <a:pPr algn="just"/>
+            <a:r>
+              <a:rPr lang="en-US" sz="2000" b="1" dirty="0">
+                <a:latin typeface="Arial" panose="020B0604020202020204" pitchFamily="34" charset="0"/>
+                <a:cs typeface="Arial" panose="020B0604020202020204" pitchFamily="34" charset="0"/>
+              </a:rPr>
+              <a:t>Create Product Model</a:t>
+            </a:r>
+          </a:p>
+          <a:p>
+            <a:pPr algn="just"/>
+            <a:endParaRPr lang="en-US" sz="1400" b="1" dirty="0">
+              <a:latin typeface="Arial" panose="020B0604020202020204" pitchFamily="34" charset="0"/>
+              <a:cs typeface="Arial" panose="020B0604020202020204" pitchFamily="34" charset="0"/>
+            </a:endParaRPr>
+          </a:p>
+          <a:p>
+            <a:pPr algn="just"/>
+            <a:r>
+              <a:rPr lang="en-US" sz="1400" b="1" dirty="0">
+                <a:latin typeface="Arial" panose="020B0604020202020204" pitchFamily="34" charset="0"/>
+                <a:cs typeface="Arial" panose="020B0604020202020204" pitchFamily="34" charset="0"/>
+              </a:rPr>
+              <a:t>To create product model you need to create models folder then create a file named </a:t>
+            </a:r>
+            <a:r>
+              <a:rPr lang="en-US" sz="1400" b="1" dirty="0" err="1">
+                <a:latin typeface="Arial" panose="020B0604020202020204" pitchFamily="34" charset="0"/>
+                <a:cs typeface="Arial" panose="020B0604020202020204" pitchFamily="34" charset="0"/>
+              </a:rPr>
+              <a:t>Product.cs</a:t>
+            </a:r>
+            <a:endParaRPr lang="en-US" sz="2000" b="1" dirty="0">
+              <a:latin typeface="Arial" panose="020B0604020202020204" pitchFamily="34" charset="0"/>
+              <a:cs typeface="Arial" panose="020B0604020202020204" pitchFamily="34" charset="0"/>
+            </a:endParaRPr>
+          </a:p>
+        </p:txBody>
+      </p:sp>
+      <p:sp>
+        <p:nvSpPr>
+          <p:cNvPr id="2" name="Rectangle 1">
+            <a:extLst>
+              <a:ext uri="{FF2B5EF4-FFF2-40B4-BE49-F238E27FC236}">
+                <a16:creationId xmlns:a16="http://schemas.microsoft.com/office/drawing/2014/main" id="{9C0726B1-7C9F-475E-9A67-2494BAECFE27}"/>
+              </a:ext>
+            </a:extLst>
+          </p:cNvPr>
+          <p:cNvSpPr/>
+          <p:nvPr/>
+        </p:nvSpPr>
+        <p:spPr>
+          <a:xfrm>
+            <a:off x="905069" y="1054359"/>
+            <a:ext cx="587830" cy="83976"/>
+          </a:xfrm>
+          <a:prstGeom prst="rect">
+            <a:avLst/>
+          </a:prstGeom>
+          <a:solidFill>
+            <a:schemeClr val="accent4"/>
+          </a:solidFill>
+        </p:spPr>
+        <p:style>
+          <a:lnRef idx="2">
+            <a:schemeClr val="accent1">
+              <a:shade val="50000"/>
+            </a:schemeClr>
+          </a:lnRef>
+          <a:fillRef idx="1">
+            <a:schemeClr val="accent1"/>
+          </a:fillRef>
+          <a:effectRef idx="0">
+            <a:schemeClr val="accent1"/>
+          </a:effectRef>
+          <a:fontRef idx="minor">
+            <a:schemeClr val="lt1"/>
+          </a:fontRef>
+        </p:style>
+        <p:txBody>
+          <a:bodyPr rtlCol="0" anchor="ctr"/>
+          <a:lstStyle/>
+          <a:p>
+            <a:pPr algn="ctr"/>
+            <a:endParaRPr lang="en-US"/>
+          </a:p>
+        </p:txBody>
+      </p:sp>
+      <p:sp>
+        <p:nvSpPr>
+          <p:cNvPr id="11" name="Rectangle 10">
+            <a:extLst>
+              <a:ext uri="{FF2B5EF4-FFF2-40B4-BE49-F238E27FC236}">
+                <a16:creationId xmlns:a16="http://schemas.microsoft.com/office/drawing/2014/main" id="{7934963B-1024-4582-BFAD-7FE21B7788C5}"/>
+              </a:ext>
+            </a:extLst>
+          </p:cNvPr>
+          <p:cNvSpPr/>
+          <p:nvPr/>
+        </p:nvSpPr>
+        <p:spPr>
+          <a:xfrm>
+            <a:off x="1486673" y="1057472"/>
+            <a:ext cx="587830" cy="83976"/>
+          </a:xfrm>
+          <a:prstGeom prst="rect">
+            <a:avLst/>
+          </a:prstGeom>
+          <a:solidFill>
+            <a:srgbClr val="00B050"/>
+          </a:solidFill>
+        </p:spPr>
+        <p:style>
+          <a:lnRef idx="2">
+            <a:schemeClr val="accent1">
+              <a:shade val="50000"/>
+            </a:schemeClr>
+          </a:lnRef>
+          <a:fillRef idx="1">
+            <a:schemeClr val="accent1"/>
+          </a:fillRef>
+          <a:effectRef idx="0">
+            <a:schemeClr val="accent1"/>
+          </a:effectRef>
+          <a:fontRef idx="minor">
+            <a:schemeClr val="lt1"/>
+          </a:fontRef>
+        </p:style>
+        <p:txBody>
+          <a:bodyPr rtlCol="0" anchor="ctr"/>
+          <a:lstStyle/>
+          <a:p>
+            <a:pPr algn="ctr"/>
+            <a:endParaRPr lang="en-US"/>
+          </a:p>
+        </p:txBody>
+      </p:sp>
+      <p:pic>
+        <p:nvPicPr>
+          <p:cNvPr id="3" name="Picture 2">
+            <a:extLst>
+              <a:ext uri="{FF2B5EF4-FFF2-40B4-BE49-F238E27FC236}">
+                <a16:creationId xmlns:a16="http://schemas.microsoft.com/office/drawing/2014/main" id="{C973DE23-DA45-4456-A8A8-3BB50967C61C}"/>
+              </a:ext>
+            </a:extLst>
+          </p:cNvPr>
+          <p:cNvPicPr>
+            <a:picLocks noChangeAspect="1"/>
+          </p:cNvPicPr>
+          <p:nvPr/>
+        </p:nvPicPr>
+        <p:blipFill>
+          <a:blip r:embed="rId5"/>
+          <a:stretch>
+            <a:fillRect/>
+          </a:stretch>
+        </p:blipFill>
+        <p:spPr>
+          <a:xfrm>
+            <a:off x="5517315" y="1618006"/>
+            <a:ext cx="5565552" cy="3863289"/>
+          </a:xfrm>
+          <a:prstGeom prst="rect">
+            <a:avLst/>
+          </a:prstGeom>
+        </p:spPr>
+      </p:pic>
+    </p:spTree>
+    <p:extLst>
+      <p:ext uri="{BB962C8B-B14F-4D97-AF65-F5344CB8AC3E}">
+        <p14:creationId xmlns:p14="http://schemas.microsoft.com/office/powerpoint/2010/main" val="2417088846"/>
+      </p:ext>
+    </p:extLst>
+  </p:cSld>
+  <p:clrMapOvr>
+    <a:masterClrMapping/>
+  </p:clrMapOvr>
+</p:sld>
+</file>
+
+<file path=ppt/slides/slide12.xml><?xml version="1.0" encoding="utf-8"?>
+<p:sld xmlns:a="http://schemas.openxmlformats.org/drawingml/2006/main" xmlns:r="http://schemas.openxmlformats.org/officeDocument/2006/relationships" xmlns:p="http://schemas.openxmlformats.org/presentationml/2006/main">
+  <p:cSld>
+    <p:bg>
+      <p:bgPr>
+        <a:solidFill>
+          <a:srgbClr val="FFEEAF"/>
+        </a:solidFill>
+        <a:effectLst/>
+      </p:bgPr>
+    </p:bg>
+    <p:spTree>
+      <p:nvGrpSpPr>
+        <p:cNvPr id="1" name=""/>
+        <p:cNvGrpSpPr/>
+        <p:nvPr/>
+      </p:nvGrpSpPr>
+      <p:grpSpPr>
+        <a:xfrm>
+          <a:off x="0" y="0"/>
+          <a:ext cx="0" cy="0"/>
+          <a:chOff x="0" y="0"/>
+          <a:chExt cx="0" cy="0"/>
+        </a:xfrm>
+      </p:grpSpPr>
+      <p:sp>
+        <p:nvSpPr>
+          <p:cNvPr id="5" name="Hexagon 4">
+            <a:extLst>
+              <a:ext uri="{FF2B5EF4-FFF2-40B4-BE49-F238E27FC236}">
+                <a16:creationId xmlns:a16="http://schemas.microsoft.com/office/drawing/2014/main" id="{A6FC8D59-F2EA-41B6-9B2B-691D69848BF4}"/>
+              </a:ext>
+            </a:extLst>
+          </p:cNvPr>
+          <p:cNvSpPr/>
+          <p:nvPr/>
+        </p:nvSpPr>
+        <p:spPr>
+          <a:xfrm>
+            <a:off x="0" y="6382139"/>
+            <a:ext cx="12192000" cy="475861"/>
+          </a:xfrm>
+          <a:prstGeom prst="hexagon">
+            <a:avLst/>
+          </a:prstGeom>
+          <a:solidFill>
+            <a:srgbClr val="FDDC99"/>
+          </a:solidFill>
+          <a:ln>
+            <a:noFill/>
+          </a:ln>
+        </p:spPr>
+        <p:style>
+          <a:lnRef idx="2">
+            <a:schemeClr val="accent1">
+              <a:shade val="50000"/>
+            </a:schemeClr>
+          </a:lnRef>
+          <a:fillRef idx="1">
+            <a:schemeClr val="accent1"/>
+          </a:fillRef>
+          <a:effectRef idx="0">
+            <a:schemeClr val="accent1"/>
+          </a:effectRef>
+          <a:fontRef idx="minor">
+            <a:schemeClr val="lt1"/>
+          </a:fontRef>
+        </p:style>
+        <p:txBody>
+          <a:bodyPr rtlCol="0" anchor="ctr"/>
+          <a:lstStyle/>
+          <a:p>
+            <a:pPr algn="ctr"/>
+            <a:endParaRPr lang="en-US"/>
+          </a:p>
+        </p:txBody>
+      </p:sp>
+      <p:sp>
+        <p:nvSpPr>
+          <p:cNvPr id="6" name="TextBox 5">
+            <a:extLst>
+              <a:ext uri="{FF2B5EF4-FFF2-40B4-BE49-F238E27FC236}">
+                <a16:creationId xmlns:a16="http://schemas.microsoft.com/office/drawing/2014/main" id="{BB556249-D6C3-4CAE-9C8A-F2F6FD9A0527}"/>
+              </a:ext>
+            </a:extLst>
+          </p:cNvPr>
+          <p:cNvSpPr txBox="1"/>
+          <p:nvPr/>
+        </p:nvSpPr>
+        <p:spPr>
+          <a:xfrm>
+            <a:off x="139961" y="6466180"/>
+            <a:ext cx="1352938" cy="307777"/>
+          </a:xfrm>
+          <a:prstGeom prst="rect">
+            <a:avLst/>
+          </a:prstGeom>
+          <a:noFill/>
+        </p:spPr>
+        <p:txBody>
+          <a:bodyPr wrap="square" rtlCol="0">
+            <a:spAutoFit/>
+          </a:bodyPr>
+          <a:lstStyle/>
+          <a:p>
+            <a:r>
+              <a:rPr lang="en-US" sz="1400" dirty="0">
+                <a:latin typeface="Arial" panose="020B0604020202020204" pitchFamily="34" charset="0"/>
+                <a:cs typeface="Arial" panose="020B0604020202020204" pitchFamily="34" charset="0"/>
+              </a:rPr>
+              <a:t>Learn Dot Net</a:t>
+            </a:r>
+          </a:p>
+        </p:txBody>
+      </p:sp>
+      <p:pic>
+        <p:nvPicPr>
+          <p:cNvPr id="8" name="Picture 7">
+            <a:extLst>
+              <a:ext uri="{FF2B5EF4-FFF2-40B4-BE49-F238E27FC236}">
+                <a16:creationId xmlns:a16="http://schemas.microsoft.com/office/drawing/2014/main" id="{5B12481C-3788-4717-8B01-26D84395E517}"/>
+              </a:ext>
+            </a:extLst>
+          </p:cNvPr>
+          <p:cNvPicPr>
+            <a:picLocks noChangeAspect="1"/>
+          </p:cNvPicPr>
+          <p:nvPr/>
+        </p:nvPicPr>
+        <p:blipFill>
+          <a:blip r:embed="rId2">
+            <a:extLst>
+              <a:ext uri="{28A0092B-C50C-407E-A947-70E740481C1C}">
+                <a14:useLocalDpi xmlns:a14="http://schemas.microsoft.com/office/drawing/2010/main" val="0"/>
+              </a:ext>
+            </a:extLst>
+          </a:blip>
+          <a:stretch>
+            <a:fillRect/>
+          </a:stretch>
+        </p:blipFill>
+        <p:spPr>
+          <a:xfrm>
+            <a:off x="2771532" y="6418581"/>
+            <a:ext cx="428532" cy="428532"/>
+          </a:xfrm>
+          <a:prstGeom prst="rect">
+            <a:avLst/>
+          </a:prstGeom>
+        </p:spPr>
+      </p:pic>
+      <p:pic>
+        <p:nvPicPr>
+          <p:cNvPr id="10" name="Picture 9">
+            <a:extLst>
+              <a:ext uri="{FF2B5EF4-FFF2-40B4-BE49-F238E27FC236}">
+                <a16:creationId xmlns:a16="http://schemas.microsoft.com/office/drawing/2014/main" id="{345E9388-4C0F-42C1-98B3-01F36604E654}"/>
+              </a:ext>
+            </a:extLst>
+          </p:cNvPr>
+          <p:cNvPicPr>
+            <a:picLocks noChangeAspect="1"/>
+          </p:cNvPicPr>
+          <p:nvPr/>
+        </p:nvPicPr>
+        <p:blipFill>
+          <a:blip r:embed="rId3">
+            <a:extLst>
+              <a:ext uri="{28A0092B-C50C-407E-A947-70E740481C1C}">
+                <a14:useLocalDpi xmlns:a14="http://schemas.microsoft.com/office/drawing/2010/main" val="0"/>
+              </a:ext>
+            </a:extLst>
+          </a:blip>
+          <a:stretch>
+            <a:fillRect/>
+          </a:stretch>
+        </p:blipFill>
+        <p:spPr>
+          <a:xfrm>
+            <a:off x="2030676" y="6304262"/>
+            <a:ext cx="631611" cy="631611"/>
+          </a:xfrm>
+          <a:prstGeom prst="rect">
+            <a:avLst/>
+          </a:prstGeom>
+        </p:spPr>
+      </p:pic>
+      <p:pic>
+        <p:nvPicPr>
+          <p:cNvPr id="12" name="Picture 11">
+            <a:extLst>
+              <a:ext uri="{FF2B5EF4-FFF2-40B4-BE49-F238E27FC236}">
+                <a16:creationId xmlns:a16="http://schemas.microsoft.com/office/drawing/2014/main" id="{A5532C44-1A73-45B2-A058-A2341A56D443}"/>
+              </a:ext>
+            </a:extLst>
+          </p:cNvPr>
+          <p:cNvPicPr>
+            <a:picLocks noChangeAspect="1"/>
+          </p:cNvPicPr>
+          <p:nvPr/>
+        </p:nvPicPr>
+        <p:blipFill>
+          <a:blip r:embed="rId4">
+            <a:extLst>
+              <a:ext uri="{28A0092B-C50C-407E-A947-70E740481C1C}">
+                <a14:useLocalDpi xmlns:a14="http://schemas.microsoft.com/office/drawing/2010/main" val="0"/>
+              </a:ext>
+            </a:extLst>
+          </a:blip>
+          <a:stretch>
+            <a:fillRect/>
+          </a:stretch>
+        </p:blipFill>
+        <p:spPr>
+          <a:xfrm>
+            <a:off x="1492899" y="6418581"/>
+            <a:ext cx="428532" cy="428532"/>
+          </a:xfrm>
+          <a:prstGeom prst="rect">
+            <a:avLst/>
+          </a:prstGeom>
+        </p:spPr>
+      </p:pic>
+      <p:sp>
+        <p:nvSpPr>
+          <p:cNvPr id="13" name="TextBox 12">
+            <a:extLst>
+              <a:ext uri="{FF2B5EF4-FFF2-40B4-BE49-F238E27FC236}">
+                <a16:creationId xmlns:a16="http://schemas.microsoft.com/office/drawing/2014/main" id="{C3FCE596-B98C-4E60-9745-82E26D583434}"/>
+              </a:ext>
+            </a:extLst>
+          </p:cNvPr>
+          <p:cNvSpPr txBox="1"/>
+          <p:nvPr/>
+        </p:nvSpPr>
+        <p:spPr>
+          <a:xfrm>
+            <a:off x="10291665" y="6478958"/>
+            <a:ext cx="1760374" cy="307777"/>
+          </a:xfrm>
+          <a:prstGeom prst="rect">
+            <a:avLst/>
+          </a:prstGeom>
+          <a:noFill/>
+        </p:spPr>
+        <p:txBody>
+          <a:bodyPr wrap="square" rtlCol="0">
+            <a:spAutoFit/>
+          </a:bodyPr>
+          <a:lstStyle/>
+          <a:p>
+            <a:r>
+              <a:rPr lang="en-US" sz="1400" dirty="0">
+                <a:latin typeface="Arial" panose="020B0604020202020204" pitchFamily="34" charset="0"/>
+                <a:cs typeface="Arial" panose="020B0604020202020204" pitchFamily="34" charset="0"/>
+              </a:rPr>
+              <a:t>By : </a:t>
+            </a:r>
+            <a:r>
+              <a:rPr lang="en-US" sz="1400" dirty="0" err="1">
+                <a:latin typeface="Arial" panose="020B0604020202020204" pitchFamily="34" charset="0"/>
+                <a:cs typeface="Arial" panose="020B0604020202020204" pitchFamily="34" charset="0"/>
+              </a:rPr>
+              <a:t>RudiTech</a:t>
+            </a:r>
+            <a:endParaRPr lang="en-US" sz="1400" dirty="0">
+              <a:latin typeface="Arial" panose="020B0604020202020204" pitchFamily="34" charset="0"/>
+              <a:cs typeface="Arial" panose="020B0604020202020204" pitchFamily="34" charset="0"/>
+            </a:endParaRPr>
+          </a:p>
+        </p:txBody>
+      </p:sp>
+      <p:sp>
+        <p:nvSpPr>
+          <p:cNvPr id="16" name="TextBox 15">
+            <a:extLst>
+              <a:ext uri="{FF2B5EF4-FFF2-40B4-BE49-F238E27FC236}">
+                <a16:creationId xmlns:a16="http://schemas.microsoft.com/office/drawing/2014/main" id="{362C83C0-F879-4D86-88D6-8C5F22FB3A85}"/>
+              </a:ext>
+            </a:extLst>
+          </p:cNvPr>
+          <p:cNvSpPr txBox="1"/>
+          <p:nvPr/>
+        </p:nvSpPr>
+        <p:spPr>
+          <a:xfrm>
+            <a:off x="816431" y="1688839"/>
+            <a:ext cx="3857170" cy="1261884"/>
+          </a:xfrm>
+          <a:prstGeom prst="rect">
+            <a:avLst/>
+          </a:prstGeom>
+          <a:noFill/>
+        </p:spPr>
+        <p:txBody>
+          <a:bodyPr wrap="square" rtlCol="0">
+            <a:spAutoFit/>
+          </a:bodyPr>
+          <a:lstStyle/>
+          <a:p>
+            <a:pPr algn="just"/>
+            <a:r>
+              <a:rPr lang="en-US" sz="2000" b="1" dirty="0">
+                <a:latin typeface="Arial" panose="020B0604020202020204" pitchFamily="34" charset="0"/>
+                <a:cs typeface="Arial" panose="020B0604020202020204" pitchFamily="34" charset="0"/>
+              </a:rPr>
+              <a:t>Create Product Controller</a:t>
+            </a:r>
+          </a:p>
+          <a:p>
+            <a:pPr algn="just"/>
+            <a:endParaRPr lang="en-US" sz="1400" b="1" dirty="0">
+              <a:latin typeface="Arial" panose="020B0604020202020204" pitchFamily="34" charset="0"/>
+              <a:cs typeface="Arial" panose="020B0604020202020204" pitchFamily="34" charset="0"/>
+            </a:endParaRPr>
+          </a:p>
+          <a:p>
+            <a:pPr algn="just"/>
+            <a:r>
+              <a:rPr lang="en-US" sz="1400" b="1" dirty="0">
+                <a:latin typeface="Arial" panose="020B0604020202020204" pitchFamily="34" charset="0"/>
+                <a:cs typeface="Arial" panose="020B0604020202020204" pitchFamily="34" charset="0"/>
+              </a:rPr>
+              <a:t>To create product controller you need to create controller folder then create a file named </a:t>
+            </a:r>
+            <a:r>
+              <a:rPr lang="en-US" sz="1400" b="1" dirty="0" err="1">
+                <a:latin typeface="Arial" panose="020B0604020202020204" pitchFamily="34" charset="0"/>
+                <a:cs typeface="Arial" panose="020B0604020202020204" pitchFamily="34" charset="0"/>
+              </a:rPr>
+              <a:t>ProductController.cs</a:t>
+            </a:r>
+            <a:endParaRPr lang="en-US" sz="2000" b="1" dirty="0">
+              <a:latin typeface="Arial" panose="020B0604020202020204" pitchFamily="34" charset="0"/>
+              <a:cs typeface="Arial" panose="020B0604020202020204" pitchFamily="34" charset="0"/>
+            </a:endParaRPr>
+          </a:p>
+        </p:txBody>
+      </p:sp>
+      <p:sp>
+        <p:nvSpPr>
+          <p:cNvPr id="2" name="Rectangle 1">
+            <a:extLst>
+              <a:ext uri="{FF2B5EF4-FFF2-40B4-BE49-F238E27FC236}">
+                <a16:creationId xmlns:a16="http://schemas.microsoft.com/office/drawing/2014/main" id="{9C0726B1-7C9F-475E-9A67-2494BAECFE27}"/>
+              </a:ext>
+            </a:extLst>
+          </p:cNvPr>
+          <p:cNvSpPr/>
+          <p:nvPr/>
+        </p:nvSpPr>
+        <p:spPr>
+          <a:xfrm>
+            <a:off x="905069" y="1054359"/>
+            <a:ext cx="587830" cy="83976"/>
+          </a:xfrm>
+          <a:prstGeom prst="rect">
+            <a:avLst/>
+          </a:prstGeom>
+          <a:solidFill>
+            <a:schemeClr val="accent4"/>
+          </a:solidFill>
+        </p:spPr>
+        <p:style>
+          <a:lnRef idx="2">
+            <a:schemeClr val="accent1">
+              <a:shade val="50000"/>
+            </a:schemeClr>
+          </a:lnRef>
+          <a:fillRef idx="1">
+            <a:schemeClr val="accent1"/>
+          </a:fillRef>
+          <a:effectRef idx="0">
+            <a:schemeClr val="accent1"/>
+          </a:effectRef>
+          <a:fontRef idx="minor">
+            <a:schemeClr val="lt1"/>
+          </a:fontRef>
+        </p:style>
+        <p:txBody>
+          <a:bodyPr rtlCol="0" anchor="ctr"/>
+          <a:lstStyle/>
+          <a:p>
+            <a:pPr algn="ctr"/>
+            <a:endParaRPr lang="en-US"/>
+          </a:p>
+        </p:txBody>
+      </p:sp>
+      <p:sp>
+        <p:nvSpPr>
+          <p:cNvPr id="11" name="Rectangle 10">
+            <a:extLst>
+              <a:ext uri="{FF2B5EF4-FFF2-40B4-BE49-F238E27FC236}">
+                <a16:creationId xmlns:a16="http://schemas.microsoft.com/office/drawing/2014/main" id="{7934963B-1024-4582-BFAD-7FE21B7788C5}"/>
+              </a:ext>
+            </a:extLst>
+          </p:cNvPr>
+          <p:cNvSpPr/>
+          <p:nvPr/>
+        </p:nvSpPr>
+        <p:spPr>
+          <a:xfrm>
+            <a:off x="1486673" y="1057472"/>
+            <a:ext cx="587830" cy="83976"/>
+          </a:xfrm>
+          <a:prstGeom prst="rect">
+            <a:avLst/>
+          </a:prstGeom>
+          <a:solidFill>
+            <a:srgbClr val="00B050"/>
+          </a:solidFill>
+        </p:spPr>
+        <p:style>
+          <a:lnRef idx="2">
+            <a:schemeClr val="accent1">
+              <a:shade val="50000"/>
+            </a:schemeClr>
+          </a:lnRef>
+          <a:fillRef idx="1">
+            <a:schemeClr val="accent1"/>
+          </a:fillRef>
+          <a:effectRef idx="0">
+            <a:schemeClr val="accent1"/>
+          </a:effectRef>
+          <a:fontRef idx="minor">
+            <a:schemeClr val="lt1"/>
+          </a:fontRef>
+        </p:style>
+        <p:txBody>
+          <a:bodyPr rtlCol="0" anchor="ctr"/>
+          <a:lstStyle/>
+          <a:p>
+            <a:pPr algn="ctr"/>
+            <a:endParaRPr lang="en-US"/>
+          </a:p>
+        </p:txBody>
+      </p:sp>
+      <p:pic>
+        <p:nvPicPr>
+          <p:cNvPr id="4" name="Picture 3">
+            <a:extLst>
+              <a:ext uri="{FF2B5EF4-FFF2-40B4-BE49-F238E27FC236}">
+                <a16:creationId xmlns:a16="http://schemas.microsoft.com/office/drawing/2014/main" id="{66CFC382-AC22-4361-ADF9-399047F5A196}"/>
+              </a:ext>
+            </a:extLst>
+          </p:cNvPr>
+          <p:cNvPicPr>
+            <a:picLocks noChangeAspect="1"/>
+          </p:cNvPicPr>
+          <p:nvPr/>
+        </p:nvPicPr>
+        <p:blipFill>
+          <a:blip r:embed="rId5"/>
+          <a:stretch>
+            <a:fillRect/>
+          </a:stretch>
+        </p:blipFill>
+        <p:spPr>
+          <a:xfrm>
+            <a:off x="5358943" y="1688839"/>
+            <a:ext cx="5402191" cy="4499208"/>
+          </a:xfrm>
+          <a:prstGeom prst="rect">
+            <a:avLst/>
+          </a:prstGeom>
+        </p:spPr>
+      </p:pic>
+    </p:spTree>
+    <p:extLst>
+      <p:ext uri="{BB962C8B-B14F-4D97-AF65-F5344CB8AC3E}">
+        <p14:creationId xmlns:p14="http://schemas.microsoft.com/office/powerpoint/2010/main" val="330832634"/>
+      </p:ext>
+    </p:extLst>
+  </p:cSld>
+  <p:clrMapOvr>
+    <a:masterClrMapping/>
+  </p:clrMapOvr>
+</p:sld>
+</file>
+
+<file path=ppt/slides/slide13.xml><?xml version="1.0" encoding="utf-8"?>
+<p:sld xmlns:a="http://schemas.openxmlformats.org/drawingml/2006/main" xmlns:r="http://schemas.openxmlformats.org/officeDocument/2006/relationships" xmlns:p="http://schemas.openxmlformats.org/presentationml/2006/main">
+  <p:cSld>
+    <p:bg>
+      <p:bgPr>
+        <a:solidFill>
+          <a:srgbClr val="FFEEAF"/>
+        </a:solidFill>
+        <a:effectLst/>
+      </p:bgPr>
+    </p:bg>
+    <p:spTree>
+      <p:nvGrpSpPr>
+        <p:cNvPr id="1" name=""/>
+        <p:cNvGrpSpPr/>
+        <p:nvPr/>
+      </p:nvGrpSpPr>
+      <p:grpSpPr>
+        <a:xfrm>
+          <a:off x="0" y="0"/>
+          <a:ext cx="0" cy="0"/>
+          <a:chOff x="0" y="0"/>
+          <a:chExt cx="0" cy="0"/>
+        </a:xfrm>
+      </p:grpSpPr>
+      <p:sp>
+        <p:nvSpPr>
+          <p:cNvPr id="5" name="Hexagon 4">
+            <a:extLst>
+              <a:ext uri="{FF2B5EF4-FFF2-40B4-BE49-F238E27FC236}">
+                <a16:creationId xmlns:a16="http://schemas.microsoft.com/office/drawing/2014/main" id="{A6FC8D59-F2EA-41B6-9B2B-691D69848BF4}"/>
+              </a:ext>
+            </a:extLst>
+          </p:cNvPr>
+          <p:cNvSpPr/>
+          <p:nvPr/>
+        </p:nvSpPr>
+        <p:spPr>
+          <a:xfrm>
+            <a:off x="0" y="6382139"/>
+            <a:ext cx="12192000" cy="475861"/>
+          </a:xfrm>
+          <a:prstGeom prst="hexagon">
+            <a:avLst/>
+          </a:prstGeom>
+          <a:solidFill>
+            <a:srgbClr val="FDDC99"/>
+          </a:solidFill>
+          <a:ln>
+            <a:noFill/>
+          </a:ln>
+        </p:spPr>
+        <p:style>
+          <a:lnRef idx="2">
+            <a:schemeClr val="accent1">
+              <a:shade val="50000"/>
+            </a:schemeClr>
+          </a:lnRef>
+          <a:fillRef idx="1">
+            <a:schemeClr val="accent1"/>
+          </a:fillRef>
+          <a:effectRef idx="0">
+            <a:schemeClr val="accent1"/>
+          </a:effectRef>
+          <a:fontRef idx="minor">
+            <a:schemeClr val="lt1"/>
+          </a:fontRef>
+        </p:style>
+        <p:txBody>
+          <a:bodyPr rtlCol="0" anchor="ctr"/>
+          <a:lstStyle/>
+          <a:p>
+            <a:pPr algn="ctr"/>
+            <a:endParaRPr lang="en-US"/>
+          </a:p>
+        </p:txBody>
+      </p:sp>
+      <p:sp>
+        <p:nvSpPr>
+          <p:cNvPr id="6" name="TextBox 5">
+            <a:extLst>
+              <a:ext uri="{FF2B5EF4-FFF2-40B4-BE49-F238E27FC236}">
+                <a16:creationId xmlns:a16="http://schemas.microsoft.com/office/drawing/2014/main" id="{BB556249-D6C3-4CAE-9C8A-F2F6FD9A0527}"/>
+              </a:ext>
+            </a:extLst>
+          </p:cNvPr>
+          <p:cNvSpPr txBox="1"/>
+          <p:nvPr/>
+        </p:nvSpPr>
+        <p:spPr>
+          <a:xfrm>
+            <a:off x="139961" y="6466180"/>
+            <a:ext cx="1352938" cy="307777"/>
+          </a:xfrm>
+          <a:prstGeom prst="rect">
+            <a:avLst/>
+          </a:prstGeom>
+          <a:noFill/>
+        </p:spPr>
+        <p:txBody>
+          <a:bodyPr wrap="square" rtlCol="0">
+            <a:spAutoFit/>
+          </a:bodyPr>
+          <a:lstStyle/>
+          <a:p>
+            <a:r>
+              <a:rPr lang="en-US" sz="1400" dirty="0">
+                <a:latin typeface="Arial" panose="020B0604020202020204" pitchFamily="34" charset="0"/>
+                <a:cs typeface="Arial" panose="020B0604020202020204" pitchFamily="34" charset="0"/>
+              </a:rPr>
+              <a:t>Learn Dot Net</a:t>
+            </a:r>
+          </a:p>
+        </p:txBody>
+      </p:sp>
+      <p:pic>
+        <p:nvPicPr>
+          <p:cNvPr id="8" name="Picture 7">
+            <a:extLst>
+              <a:ext uri="{FF2B5EF4-FFF2-40B4-BE49-F238E27FC236}">
+                <a16:creationId xmlns:a16="http://schemas.microsoft.com/office/drawing/2014/main" id="{5B12481C-3788-4717-8B01-26D84395E517}"/>
+              </a:ext>
+            </a:extLst>
+          </p:cNvPr>
+          <p:cNvPicPr>
+            <a:picLocks noChangeAspect="1"/>
+          </p:cNvPicPr>
+          <p:nvPr/>
+        </p:nvPicPr>
+        <p:blipFill>
+          <a:blip r:embed="rId2">
+            <a:extLst>
+              <a:ext uri="{28A0092B-C50C-407E-A947-70E740481C1C}">
+                <a14:useLocalDpi xmlns:a14="http://schemas.microsoft.com/office/drawing/2010/main" val="0"/>
+              </a:ext>
+            </a:extLst>
+          </a:blip>
+          <a:stretch>
+            <a:fillRect/>
+          </a:stretch>
+        </p:blipFill>
+        <p:spPr>
+          <a:xfrm>
+            <a:off x="2771532" y="6418581"/>
+            <a:ext cx="428532" cy="428532"/>
+          </a:xfrm>
+          <a:prstGeom prst="rect">
+            <a:avLst/>
+          </a:prstGeom>
+        </p:spPr>
+      </p:pic>
+      <p:pic>
+        <p:nvPicPr>
+          <p:cNvPr id="10" name="Picture 9">
+            <a:extLst>
+              <a:ext uri="{FF2B5EF4-FFF2-40B4-BE49-F238E27FC236}">
+                <a16:creationId xmlns:a16="http://schemas.microsoft.com/office/drawing/2014/main" id="{345E9388-4C0F-42C1-98B3-01F36604E654}"/>
+              </a:ext>
+            </a:extLst>
+          </p:cNvPr>
+          <p:cNvPicPr>
+            <a:picLocks noChangeAspect="1"/>
+          </p:cNvPicPr>
+          <p:nvPr/>
+        </p:nvPicPr>
+        <p:blipFill>
+          <a:blip r:embed="rId3">
+            <a:extLst>
+              <a:ext uri="{28A0092B-C50C-407E-A947-70E740481C1C}">
+                <a14:useLocalDpi xmlns:a14="http://schemas.microsoft.com/office/drawing/2010/main" val="0"/>
+              </a:ext>
+            </a:extLst>
+          </a:blip>
+          <a:stretch>
+            <a:fillRect/>
+          </a:stretch>
+        </p:blipFill>
+        <p:spPr>
+          <a:xfrm>
+            <a:off x="2030676" y="6304262"/>
+            <a:ext cx="631611" cy="631611"/>
+          </a:xfrm>
+          <a:prstGeom prst="rect">
+            <a:avLst/>
+          </a:prstGeom>
+        </p:spPr>
+      </p:pic>
+      <p:pic>
+        <p:nvPicPr>
+          <p:cNvPr id="12" name="Picture 11">
+            <a:extLst>
+              <a:ext uri="{FF2B5EF4-FFF2-40B4-BE49-F238E27FC236}">
+                <a16:creationId xmlns:a16="http://schemas.microsoft.com/office/drawing/2014/main" id="{A5532C44-1A73-45B2-A058-A2341A56D443}"/>
+              </a:ext>
+            </a:extLst>
+          </p:cNvPr>
+          <p:cNvPicPr>
+            <a:picLocks noChangeAspect="1"/>
+          </p:cNvPicPr>
+          <p:nvPr/>
+        </p:nvPicPr>
+        <p:blipFill>
+          <a:blip r:embed="rId4">
+            <a:extLst>
+              <a:ext uri="{28A0092B-C50C-407E-A947-70E740481C1C}">
+                <a14:useLocalDpi xmlns:a14="http://schemas.microsoft.com/office/drawing/2010/main" val="0"/>
+              </a:ext>
+            </a:extLst>
+          </a:blip>
+          <a:stretch>
+            <a:fillRect/>
+          </a:stretch>
+        </p:blipFill>
+        <p:spPr>
+          <a:xfrm>
+            <a:off x="1492899" y="6418581"/>
+            <a:ext cx="428532" cy="428532"/>
+          </a:xfrm>
+          <a:prstGeom prst="rect">
+            <a:avLst/>
+          </a:prstGeom>
+        </p:spPr>
+      </p:pic>
+      <p:sp>
+        <p:nvSpPr>
+          <p:cNvPr id="13" name="TextBox 12">
+            <a:extLst>
+              <a:ext uri="{FF2B5EF4-FFF2-40B4-BE49-F238E27FC236}">
+                <a16:creationId xmlns:a16="http://schemas.microsoft.com/office/drawing/2014/main" id="{C3FCE596-B98C-4E60-9745-82E26D583434}"/>
+              </a:ext>
+            </a:extLst>
+          </p:cNvPr>
+          <p:cNvSpPr txBox="1"/>
+          <p:nvPr/>
+        </p:nvSpPr>
+        <p:spPr>
+          <a:xfrm>
+            <a:off x="10291665" y="6478958"/>
+            <a:ext cx="1760374" cy="307777"/>
+          </a:xfrm>
+          <a:prstGeom prst="rect">
+            <a:avLst/>
+          </a:prstGeom>
+          <a:noFill/>
+        </p:spPr>
+        <p:txBody>
+          <a:bodyPr wrap="square" rtlCol="0">
+            <a:spAutoFit/>
+          </a:bodyPr>
+          <a:lstStyle/>
+          <a:p>
+            <a:r>
+              <a:rPr lang="en-US" sz="1400" dirty="0">
+                <a:latin typeface="Arial" panose="020B0604020202020204" pitchFamily="34" charset="0"/>
+                <a:cs typeface="Arial" panose="020B0604020202020204" pitchFamily="34" charset="0"/>
+              </a:rPr>
+              <a:t>By : </a:t>
+            </a:r>
+            <a:r>
+              <a:rPr lang="en-US" sz="1400" dirty="0" err="1">
+                <a:latin typeface="Arial" panose="020B0604020202020204" pitchFamily="34" charset="0"/>
+                <a:cs typeface="Arial" panose="020B0604020202020204" pitchFamily="34" charset="0"/>
+              </a:rPr>
+              <a:t>RudiTech</a:t>
+            </a:r>
+            <a:endParaRPr lang="en-US" sz="1400" dirty="0">
+              <a:latin typeface="Arial" panose="020B0604020202020204" pitchFamily="34" charset="0"/>
+              <a:cs typeface="Arial" panose="020B0604020202020204" pitchFamily="34" charset="0"/>
+            </a:endParaRPr>
+          </a:p>
+        </p:txBody>
+      </p:sp>
+      <p:sp>
+        <p:nvSpPr>
+          <p:cNvPr id="16" name="TextBox 15">
+            <a:extLst>
+              <a:ext uri="{FF2B5EF4-FFF2-40B4-BE49-F238E27FC236}">
+                <a16:creationId xmlns:a16="http://schemas.microsoft.com/office/drawing/2014/main" id="{362C83C0-F879-4D86-88D6-8C5F22FB3A85}"/>
+              </a:ext>
+            </a:extLst>
+          </p:cNvPr>
+          <p:cNvSpPr txBox="1"/>
+          <p:nvPr/>
+        </p:nvSpPr>
+        <p:spPr>
+          <a:xfrm>
+            <a:off x="816431" y="1688839"/>
+            <a:ext cx="3857170" cy="1046440"/>
+          </a:xfrm>
+          <a:prstGeom prst="rect">
+            <a:avLst/>
+          </a:prstGeom>
+          <a:noFill/>
+        </p:spPr>
+        <p:txBody>
+          <a:bodyPr wrap="square" rtlCol="0">
+            <a:spAutoFit/>
+          </a:bodyPr>
+          <a:lstStyle/>
+          <a:p>
+            <a:pPr algn="just"/>
+            <a:r>
+              <a:rPr lang="en-US" sz="2000" b="1" dirty="0">
+                <a:latin typeface="Arial" panose="020B0604020202020204" pitchFamily="34" charset="0"/>
+                <a:cs typeface="Arial" panose="020B0604020202020204" pitchFamily="34" charset="0"/>
+              </a:rPr>
+              <a:t>Configuration </a:t>
+            </a:r>
+            <a:r>
+              <a:rPr lang="en-US" sz="2000" b="1" dirty="0" err="1">
+                <a:latin typeface="Arial" panose="020B0604020202020204" pitchFamily="34" charset="0"/>
+                <a:cs typeface="Arial" panose="020B0604020202020204" pitchFamily="34" charset="0"/>
+              </a:rPr>
+              <a:t>Program.cs</a:t>
+            </a:r>
+            <a:endParaRPr lang="en-US" sz="2000" b="1" dirty="0">
+              <a:latin typeface="Arial" panose="020B0604020202020204" pitchFamily="34" charset="0"/>
+              <a:cs typeface="Arial" panose="020B0604020202020204" pitchFamily="34" charset="0"/>
+            </a:endParaRPr>
+          </a:p>
+          <a:p>
+            <a:pPr algn="just"/>
+            <a:endParaRPr lang="en-US" sz="1400" b="1" dirty="0">
+              <a:latin typeface="Arial" panose="020B0604020202020204" pitchFamily="34" charset="0"/>
+              <a:cs typeface="Arial" panose="020B0604020202020204" pitchFamily="34" charset="0"/>
+            </a:endParaRPr>
+          </a:p>
+          <a:p>
+            <a:pPr algn="just"/>
+            <a:r>
+              <a:rPr lang="en-US" sz="1400" b="1" dirty="0">
+                <a:latin typeface="Arial" panose="020B0604020202020204" pitchFamily="34" charset="0"/>
+                <a:cs typeface="Arial" panose="020B0604020202020204" pitchFamily="34" charset="0"/>
+              </a:rPr>
+              <a:t>On </a:t>
+            </a:r>
+            <a:r>
+              <a:rPr lang="en-US" sz="1400" b="1" dirty="0" err="1">
+                <a:latin typeface="Arial" panose="020B0604020202020204" pitchFamily="34" charset="0"/>
+                <a:cs typeface="Arial" panose="020B0604020202020204" pitchFamily="34" charset="0"/>
+              </a:rPr>
+              <a:t>Program.cs</a:t>
+            </a:r>
+            <a:r>
+              <a:rPr lang="en-US" sz="1400" b="1" dirty="0">
+                <a:latin typeface="Arial" panose="020B0604020202020204" pitchFamily="34" charset="0"/>
+                <a:cs typeface="Arial" panose="020B0604020202020204" pitchFamily="34" charset="0"/>
+              </a:rPr>
+              <a:t> file you need to add some sections</a:t>
+            </a:r>
+            <a:endParaRPr lang="en-US" sz="2000" b="1" dirty="0">
+              <a:latin typeface="Arial" panose="020B0604020202020204" pitchFamily="34" charset="0"/>
+              <a:cs typeface="Arial" panose="020B0604020202020204" pitchFamily="34" charset="0"/>
+            </a:endParaRPr>
+          </a:p>
+        </p:txBody>
+      </p:sp>
+      <p:sp>
+        <p:nvSpPr>
+          <p:cNvPr id="2" name="Rectangle 1">
+            <a:extLst>
+              <a:ext uri="{FF2B5EF4-FFF2-40B4-BE49-F238E27FC236}">
+                <a16:creationId xmlns:a16="http://schemas.microsoft.com/office/drawing/2014/main" id="{9C0726B1-7C9F-475E-9A67-2494BAECFE27}"/>
+              </a:ext>
+            </a:extLst>
+          </p:cNvPr>
+          <p:cNvSpPr/>
+          <p:nvPr/>
+        </p:nvSpPr>
+        <p:spPr>
+          <a:xfrm>
+            <a:off x="905069" y="1054359"/>
+            <a:ext cx="587830" cy="83976"/>
+          </a:xfrm>
+          <a:prstGeom prst="rect">
+            <a:avLst/>
+          </a:prstGeom>
+          <a:solidFill>
+            <a:schemeClr val="accent4"/>
+          </a:solidFill>
+        </p:spPr>
+        <p:style>
+          <a:lnRef idx="2">
+            <a:schemeClr val="accent1">
+              <a:shade val="50000"/>
+            </a:schemeClr>
+          </a:lnRef>
+          <a:fillRef idx="1">
+            <a:schemeClr val="accent1"/>
+          </a:fillRef>
+          <a:effectRef idx="0">
+            <a:schemeClr val="accent1"/>
+          </a:effectRef>
+          <a:fontRef idx="minor">
+            <a:schemeClr val="lt1"/>
+          </a:fontRef>
+        </p:style>
+        <p:txBody>
+          <a:bodyPr rtlCol="0" anchor="ctr"/>
+          <a:lstStyle/>
+          <a:p>
+            <a:pPr algn="ctr"/>
+            <a:endParaRPr lang="en-US"/>
+          </a:p>
+        </p:txBody>
+      </p:sp>
+      <p:sp>
+        <p:nvSpPr>
+          <p:cNvPr id="11" name="Rectangle 10">
+            <a:extLst>
+              <a:ext uri="{FF2B5EF4-FFF2-40B4-BE49-F238E27FC236}">
+                <a16:creationId xmlns:a16="http://schemas.microsoft.com/office/drawing/2014/main" id="{7934963B-1024-4582-BFAD-7FE21B7788C5}"/>
+              </a:ext>
+            </a:extLst>
+          </p:cNvPr>
+          <p:cNvSpPr/>
+          <p:nvPr/>
+        </p:nvSpPr>
+        <p:spPr>
+          <a:xfrm>
+            <a:off x="1486673" y="1057472"/>
+            <a:ext cx="587830" cy="83976"/>
+          </a:xfrm>
+          <a:prstGeom prst="rect">
+            <a:avLst/>
+          </a:prstGeom>
+          <a:solidFill>
+            <a:srgbClr val="00B050"/>
+          </a:solidFill>
+        </p:spPr>
+        <p:style>
+          <a:lnRef idx="2">
+            <a:schemeClr val="accent1">
+              <a:shade val="50000"/>
+            </a:schemeClr>
+          </a:lnRef>
+          <a:fillRef idx="1">
+            <a:schemeClr val="accent1"/>
+          </a:fillRef>
+          <a:effectRef idx="0">
+            <a:schemeClr val="accent1"/>
+          </a:effectRef>
+          <a:fontRef idx="minor">
+            <a:schemeClr val="lt1"/>
+          </a:fontRef>
+        </p:style>
+        <p:txBody>
+          <a:bodyPr rtlCol="0" anchor="ctr"/>
+          <a:lstStyle/>
+          <a:p>
+            <a:pPr algn="ctr"/>
+            <a:endParaRPr lang="en-US"/>
+          </a:p>
+        </p:txBody>
+      </p:sp>
+      <p:pic>
+        <p:nvPicPr>
+          <p:cNvPr id="3" name="Picture 2">
+            <a:extLst>
+              <a:ext uri="{FF2B5EF4-FFF2-40B4-BE49-F238E27FC236}">
+                <a16:creationId xmlns:a16="http://schemas.microsoft.com/office/drawing/2014/main" id="{A56B58C4-F121-4448-BDAA-4CA9B2F80C55}"/>
+              </a:ext>
+            </a:extLst>
+          </p:cNvPr>
+          <p:cNvPicPr>
+            <a:picLocks noChangeAspect="1"/>
+          </p:cNvPicPr>
+          <p:nvPr/>
+        </p:nvPicPr>
+        <p:blipFill>
+          <a:blip r:embed="rId5"/>
+          <a:stretch>
+            <a:fillRect/>
+          </a:stretch>
+        </p:blipFill>
+        <p:spPr>
+          <a:xfrm>
+            <a:off x="905069" y="3110842"/>
+            <a:ext cx="7602011" cy="1838582"/>
+          </a:xfrm>
+          <a:prstGeom prst="rect">
+            <a:avLst/>
+          </a:prstGeom>
+        </p:spPr>
+      </p:pic>
+    </p:spTree>
+    <p:extLst>
+      <p:ext uri="{BB962C8B-B14F-4D97-AF65-F5344CB8AC3E}">
+        <p14:creationId xmlns:p14="http://schemas.microsoft.com/office/powerpoint/2010/main" val="2794007120"/>
+      </p:ext>
+    </p:extLst>
+  </p:cSld>
+  <p:clrMapOvr>
+    <a:masterClrMapping/>
+  </p:clrMapOvr>
+</p:sld>
+</file>
+
+<file path=ppt/slides/slide14.xml><?xml version="1.0" encoding="utf-8"?>
+<p:sld xmlns:a="http://schemas.openxmlformats.org/drawingml/2006/main" xmlns:r="http://schemas.openxmlformats.org/officeDocument/2006/relationships" xmlns:p="http://schemas.openxmlformats.org/presentationml/2006/main">
+  <p:cSld>
+    <p:bg>
+      <p:bgPr>
+        <a:solidFill>
+          <a:srgbClr val="FFEEAF"/>
+        </a:solidFill>
+        <a:effectLst/>
+      </p:bgPr>
+    </p:bg>
+    <p:spTree>
+      <p:nvGrpSpPr>
+        <p:cNvPr id="1" name=""/>
+        <p:cNvGrpSpPr/>
+        <p:nvPr/>
+      </p:nvGrpSpPr>
+      <p:grpSpPr>
+        <a:xfrm>
+          <a:off x="0" y="0"/>
+          <a:ext cx="0" cy="0"/>
+          <a:chOff x="0" y="0"/>
+          <a:chExt cx="0" cy="0"/>
+        </a:xfrm>
+      </p:grpSpPr>
+      <p:sp>
+        <p:nvSpPr>
+          <p:cNvPr id="5" name="Hexagon 4">
+            <a:extLst>
+              <a:ext uri="{FF2B5EF4-FFF2-40B4-BE49-F238E27FC236}">
+                <a16:creationId xmlns:a16="http://schemas.microsoft.com/office/drawing/2014/main" id="{A6FC8D59-F2EA-41B6-9B2B-691D69848BF4}"/>
+              </a:ext>
+            </a:extLst>
+          </p:cNvPr>
+          <p:cNvSpPr/>
+          <p:nvPr/>
+        </p:nvSpPr>
+        <p:spPr>
+          <a:xfrm>
+            <a:off x="0" y="6382139"/>
+            <a:ext cx="12192000" cy="475861"/>
+          </a:xfrm>
+          <a:prstGeom prst="hexagon">
+            <a:avLst/>
+          </a:prstGeom>
+          <a:solidFill>
+            <a:srgbClr val="FDDC99"/>
+          </a:solidFill>
+          <a:ln>
+            <a:noFill/>
+          </a:ln>
+        </p:spPr>
+        <p:style>
+          <a:lnRef idx="2">
+            <a:schemeClr val="accent1">
+              <a:shade val="50000"/>
+            </a:schemeClr>
+          </a:lnRef>
+          <a:fillRef idx="1">
+            <a:schemeClr val="accent1"/>
+          </a:fillRef>
+          <a:effectRef idx="0">
+            <a:schemeClr val="accent1"/>
+          </a:effectRef>
+          <a:fontRef idx="minor">
+            <a:schemeClr val="lt1"/>
+          </a:fontRef>
+        </p:style>
+        <p:txBody>
+          <a:bodyPr rtlCol="0" anchor="ctr"/>
+          <a:lstStyle/>
+          <a:p>
+            <a:pPr algn="ctr"/>
+            <a:endParaRPr lang="en-US"/>
+          </a:p>
+        </p:txBody>
+      </p:sp>
+      <p:sp>
+        <p:nvSpPr>
+          <p:cNvPr id="6" name="TextBox 5">
+            <a:extLst>
+              <a:ext uri="{FF2B5EF4-FFF2-40B4-BE49-F238E27FC236}">
+                <a16:creationId xmlns:a16="http://schemas.microsoft.com/office/drawing/2014/main" id="{BB556249-D6C3-4CAE-9C8A-F2F6FD9A0527}"/>
+              </a:ext>
+            </a:extLst>
+          </p:cNvPr>
+          <p:cNvSpPr txBox="1"/>
+          <p:nvPr/>
+        </p:nvSpPr>
+        <p:spPr>
+          <a:xfrm>
+            <a:off x="139961" y="6466180"/>
+            <a:ext cx="1352938" cy="307777"/>
+          </a:xfrm>
+          <a:prstGeom prst="rect">
+            <a:avLst/>
+          </a:prstGeom>
+          <a:noFill/>
+        </p:spPr>
+        <p:txBody>
+          <a:bodyPr wrap="square" rtlCol="0">
+            <a:spAutoFit/>
+          </a:bodyPr>
+          <a:lstStyle/>
+          <a:p>
+            <a:r>
+              <a:rPr lang="en-US" sz="1400" dirty="0">
+                <a:latin typeface="Arial" panose="020B0604020202020204" pitchFamily="34" charset="0"/>
+                <a:cs typeface="Arial" panose="020B0604020202020204" pitchFamily="34" charset="0"/>
+              </a:rPr>
+              <a:t>Learn Dot Net</a:t>
+            </a:r>
+          </a:p>
+        </p:txBody>
+      </p:sp>
+      <p:pic>
+        <p:nvPicPr>
+          <p:cNvPr id="8" name="Picture 7">
+            <a:extLst>
+              <a:ext uri="{FF2B5EF4-FFF2-40B4-BE49-F238E27FC236}">
+                <a16:creationId xmlns:a16="http://schemas.microsoft.com/office/drawing/2014/main" id="{5B12481C-3788-4717-8B01-26D84395E517}"/>
+              </a:ext>
+            </a:extLst>
+          </p:cNvPr>
+          <p:cNvPicPr>
+            <a:picLocks noChangeAspect="1"/>
+          </p:cNvPicPr>
+          <p:nvPr/>
+        </p:nvPicPr>
+        <p:blipFill>
+          <a:blip r:embed="rId2">
+            <a:extLst>
+              <a:ext uri="{28A0092B-C50C-407E-A947-70E740481C1C}">
+                <a14:useLocalDpi xmlns:a14="http://schemas.microsoft.com/office/drawing/2010/main" val="0"/>
+              </a:ext>
+            </a:extLst>
+          </a:blip>
+          <a:stretch>
+            <a:fillRect/>
+          </a:stretch>
+        </p:blipFill>
+        <p:spPr>
+          <a:xfrm>
+            <a:off x="2771532" y="6418581"/>
+            <a:ext cx="428532" cy="428532"/>
+          </a:xfrm>
+          <a:prstGeom prst="rect">
+            <a:avLst/>
+          </a:prstGeom>
+        </p:spPr>
+      </p:pic>
+      <p:pic>
+        <p:nvPicPr>
+          <p:cNvPr id="10" name="Picture 9">
+            <a:extLst>
+              <a:ext uri="{FF2B5EF4-FFF2-40B4-BE49-F238E27FC236}">
+                <a16:creationId xmlns:a16="http://schemas.microsoft.com/office/drawing/2014/main" id="{345E9388-4C0F-42C1-98B3-01F36604E654}"/>
+              </a:ext>
+            </a:extLst>
+          </p:cNvPr>
+          <p:cNvPicPr>
+            <a:picLocks noChangeAspect="1"/>
+          </p:cNvPicPr>
+          <p:nvPr/>
+        </p:nvPicPr>
+        <p:blipFill>
+          <a:blip r:embed="rId3">
+            <a:extLst>
+              <a:ext uri="{28A0092B-C50C-407E-A947-70E740481C1C}">
+                <a14:useLocalDpi xmlns:a14="http://schemas.microsoft.com/office/drawing/2010/main" val="0"/>
+              </a:ext>
+            </a:extLst>
+          </a:blip>
+          <a:stretch>
+            <a:fillRect/>
+          </a:stretch>
+        </p:blipFill>
+        <p:spPr>
+          <a:xfrm>
+            <a:off x="2030676" y="6304262"/>
+            <a:ext cx="631611" cy="631611"/>
+          </a:xfrm>
+          <a:prstGeom prst="rect">
+            <a:avLst/>
+          </a:prstGeom>
+        </p:spPr>
+      </p:pic>
+      <p:pic>
+        <p:nvPicPr>
+          <p:cNvPr id="12" name="Picture 11">
+            <a:extLst>
+              <a:ext uri="{FF2B5EF4-FFF2-40B4-BE49-F238E27FC236}">
+                <a16:creationId xmlns:a16="http://schemas.microsoft.com/office/drawing/2014/main" id="{A5532C44-1A73-45B2-A058-A2341A56D443}"/>
+              </a:ext>
+            </a:extLst>
+          </p:cNvPr>
+          <p:cNvPicPr>
+            <a:picLocks noChangeAspect="1"/>
+          </p:cNvPicPr>
+          <p:nvPr/>
+        </p:nvPicPr>
+        <p:blipFill>
+          <a:blip r:embed="rId4">
+            <a:extLst>
+              <a:ext uri="{28A0092B-C50C-407E-A947-70E740481C1C}">
+                <a14:useLocalDpi xmlns:a14="http://schemas.microsoft.com/office/drawing/2010/main" val="0"/>
+              </a:ext>
+            </a:extLst>
+          </a:blip>
+          <a:stretch>
+            <a:fillRect/>
+          </a:stretch>
+        </p:blipFill>
+        <p:spPr>
+          <a:xfrm>
+            <a:off x="1492899" y="6418581"/>
+            <a:ext cx="428532" cy="428532"/>
+          </a:xfrm>
+          <a:prstGeom prst="rect">
+            <a:avLst/>
+          </a:prstGeom>
+        </p:spPr>
+      </p:pic>
+      <p:sp>
+        <p:nvSpPr>
+          <p:cNvPr id="13" name="TextBox 12">
+            <a:extLst>
+              <a:ext uri="{FF2B5EF4-FFF2-40B4-BE49-F238E27FC236}">
+                <a16:creationId xmlns:a16="http://schemas.microsoft.com/office/drawing/2014/main" id="{C3FCE596-B98C-4E60-9745-82E26D583434}"/>
+              </a:ext>
+            </a:extLst>
+          </p:cNvPr>
+          <p:cNvSpPr txBox="1"/>
+          <p:nvPr/>
+        </p:nvSpPr>
+        <p:spPr>
+          <a:xfrm>
+            <a:off x="10291665" y="6478958"/>
+            <a:ext cx="1760374" cy="307777"/>
+          </a:xfrm>
+          <a:prstGeom prst="rect">
+            <a:avLst/>
+          </a:prstGeom>
+          <a:noFill/>
+        </p:spPr>
+        <p:txBody>
+          <a:bodyPr wrap="square" rtlCol="0">
+            <a:spAutoFit/>
+          </a:bodyPr>
+          <a:lstStyle/>
+          <a:p>
+            <a:r>
+              <a:rPr lang="en-US" sz="1400" dirty="0">
+                <a:latin typeface="Arial" panose="020B0604020202020204" pitchFamily="34" charset="0"/>
+                <a:cs typeface="Arial" panose="020B0604020202020204" pitchFamily="34" charset="0"/>
+              </a:rPr>
+              <a:t>By : </a:t>
+            </a:r>
+            <a:r>
+              <a:rPr lang="en-US" sz="1400" dirty="0" err="1">
+                <a:latin typeface="Arial" panose="020B0604020202020204" pitchFamily="34" charset="0"/>
+                <a:cs typeface="Arial" panose="020B0604020202020204" pitchFamily="34" charset="0"/>
+              </a:rPr>
+              <a:t>RudiTech</a:t>
+            </a:r>
+            <a:endParaRPr lang="en-US" sz="1400" dirty="0">
+              <a:latin typeface="Arial" panose="020B0604020202020204" pitchFamily="34" charset="0"/>
+              <a:cs typeface="Arial" panose="020B0604020202020204" pitchFamily="34" charset="0"/>
+            </a:endParaRPr>
+          </a:p>
+        </p:txBody>
+      </p:sp>
+      <p:sp>
+        <p:nvSpPr>
+          <p:cNvPr id="16" name="TextBox 15">
+            <a:extLst>
+              <a:ext uri="{FF2B5EF4-FFF2-40B4-BE49-F238E27FC236}">
+                <a16:creationId xmlns:a16="http://schemas.microsoft.com/office/drawing/2014/main" id="{362C83C0-F879-4D86-88D6-8C5F22FB3A85}"/>
+              </a:ext>
+            </a:extLst>
+          </p:cNvPr>
+          <p:cNvSpPr txBox="1"/>
+          <p:nvPr/>
+        </p:nvSpPr>
+        <p:spPr>
+          <a:xfrm>
+            <a:off x="816430" y="1688839"/>
+            <a:ext cx="4339769" cy="400110"/>
+          </a:xfrm>
+          <a:prstGeom prst="rect">
+            <a:avLst/>
+          </a:prstGeom>
+          <a:noFill/>
+        </p:spPr>
+        <p:txBody>
+          <a:bodyPr wrap="square" rtlCol="0">
+            <a:spAutoFit/>
+          </a:bodyPr>
+          <a:lstStyle/>
+          <a:p>
+            <a:pPr algn="just"/>
+            <a:r>
+              <a:rPr lang="en-US" sz="2000" b="1" dirty="0">
+                <a:latin typeface="Arial" panose="020B0604020202020204" pitchFamily="34" charset="0"/>
+                <a:cs typeface="Arial" panose="020B0604020202020204" pitchFamily="34" charset="0"/>
+              </a:rPr>
+              <a:t>Run app and check on swagger</a:t>
+            </a:r>
+          </a:p>
+        </p:txBody>
+      </p:sp>
+      <p:sp>
+        <p:nvSpPr>
+          <p:cNvPr id="2" name="Rectangle 1">
+            <a:extLst>
+              <a:ext uri="{FF2B5EF4-FFF2-40B4-BE49-F238E27FC236}">
+                <a16:creationId xmlns:a16="http://schemas.microsoft.com/office/drawing/2014/main" id="{9C0726B1-7C9F-475E-9A67-2494BAECFE27}"/>
+              </a:ext>
+            </a:extLst>
+          </p:cNvPr>
+          <p:cNvSpPr/>
+          <p:nvPr/>
+        </p:nvSpPr>
+        <p:spPr>
+          <a:xfrm>
+            <a:off x="905069" y="1054359"/>
+            <a:ext cx="587830" cy="83976"/>
+          </a:xfrm>
+          <a:prstGeom prst="rect">
+            <a:avLst/>
+          </a:prstGeom>
+          <a:solidFill>
+            <a:schemeClr val="accent4"/>
+          </a:solidFill>
+        </p:spPr>
+        <p:style>
+          <a:lnRef idx="2">
+            <a:schemeClr val="accent1">
+              <a:shade val="50000"/>
+            </a:schemeClr>
+          </a:lnRef>
+          <a:fillRef idx="1">
+            <a:schemeClr val="accent1"/>
+          </a:fillRef>
+          <a:effectRef idx="0">
+            <a:schemeClr val="accent1"/>
+          </a:effectRef>
+          <a:fontRef idx="minor">
+            <a:schemeClr val="lt1"/>
+          </a:fontRef>
+        </p:style>
+        <p:txBody>
+          <a:bodyPr rtlCol="0" anchor="ctr"/>
+          <a:lstStyle/>
+          <a:p>
+            <a:pPr algn="ctr"/>
+            <a:endParaRPr lang="en-US"/>
+          </a:p>
+        </p:txBody>
+      </p:sp>
+      <p:sp>
+        <p:nvSpPr>
+          <p:cNvPr id="11" name="Rectangle 10">
+            <a:extLst>
+              <a:ext uri="{FF2B5EF4-FFF2-40B4-BE49-F238E27FC236}">
+                <a16:creationId xmlns:a16="http://schemas.microsoft.com/office/drawing/2014/main" id="{7934963B-1024-4582-BFAD-7FE21B7788C5}"/>
+              </a:ext>
+            </a:extLst>
+          </p:cNvPr>
+          <p:cNvSpPr/>
+          <p:nvPr/>
+        </p:nvSpPr>
+        <p:spPr>
+          <a:xfrm>
+            <a:off x="1486673" y="1057472"/>
+            <a:ext cx="587830" cy="83976"/>
+          </a:xfrm>
+          <a:prstGeom prst="rect">
+            <a:avLst/>
+          </a:prstGeom>
+          <a:solidFill>
+            <a:srgbClr val="00B050"/>
+          </a:solidFill>
+        </p:spPr>
+        <p:style>
+          <a:lnRef idx="2">
+            <a:schemeClr val="accent1">
+              <a:shade val="50000"/>
+            </a:schemeClr>
+          </a:lnRef>
+          <a:fillRef idx="1">
+            <a:schemeClr val="accent1"/>
+          </a:fillRef>
+          <a:effectRef idx="0">
+            <a:schemeClr val="accent1"/>
+          </a:effectRef>
+          <a:fontRef idx="minor">
+            <a:schemeClr val="lt1"/>
+          </a:fontRef>
+        </p:style>
+        <p:txBody>
+          <a:bodyPr rtlCol="0" anchor="ctr"/>
+          <a:lstStyle/>
+          <a:p>
+            <a:pPr algn="ctr"/>
+            <a:endParaRPr lang="en-US"/>
+          </a:p>
+        </p:txBody>
+      </p:sp>
+      <p:pic>
+        <p:nvPicPr>
+          <p:cNvPr id="4" name="Picture 3">
+            <a:extLst>
+              <a:ext uri="{FF2B5EF4-FFF2-40B4-BE49-F238E27FC236}">
+                <a16:creationId xmlns:a16="http://schemas.microsoft.com/office/drawing/2014/main" id="{E59BA12D-30C3-48F8-BF18-3F4A9F734747}"/>
+              </a:ext>
+            </a:extLst>
+          </p:cNvPr>
+          <p:cNvPicPr>
+            <a:picLocks noChangeAspect="1"/>
+          </p:cNvPicPr>
+          <p:nvPr/>
+        </p:nvPicPr>
+        <p:blipFill>
+          <a:blip r:embed="rId5"/>
+          <a:stretch>
+            <a:fillRect/>
+          </a:stretch>
+        </p:blipFill>
+        <p:spPr>
+          <a:xfrm>
+            <a:off x="816430" y="2088949"/>
+            <a:ext cx="6409691" cy="4100663"/>
+          </a:xfrm>
+          <a:prstGeom prst="rect">
+            <a:avLst/>
+          </a:prstGeom>
+        </p:spPr>
+      </p:pic>
+    </p:spTree>
+    <p:extLst>
+      <p:ext uri="{BB962C8B-B14F-4D97-AF65-F5344CB8AC3E}">
+        <p14:creationId xmlns:p14="http://schemas.microsoft.com/office/powerpoint/2010/main" val="3906750930"/>
       </p:ext>
     </p:extLst>
   </p:cSld>
@@ -3987,8 +6469,19 @@
                 <a:latin typeface="Arial" panose="020B0604020202020204" pitchFamily="34" charset="0"/>
                 <a:cs typeface="Arial" panose="020B0604020202020204" pitchFamily="34" charset="0"/>
               </a:rPr>
-              <a:t>By : Rian Rudianto</a:t>
-            </a:r>
+              <a:t>By : </a:t>
+            </a:r>
+            <a:r>
+              <a:rPr lang="en-US" sz="1400" dirty="0" err="1">
+                <a:latin typeface="Arial" panose="020B0604020202020204" pitchFamily="34" charset="0"/>
+                <a:cs typeface="Arial" panose="020B0604020202020204" pitchFamily="34" charset="0"/>
+              </a:rPr>
+              <a:t>RudiTech</a:t>
+            </a:r>
+            <a:endParaRPr lang="en-US" sz="1400" dirty="0">
+              <a:latin typeface="Arial" panose="020B0604020202020204" pitchFamily="34" charset="0"/>
+              <a:cs typeface="Arial" panose="020B0604020202020204" pitchFamily="34" charset="0"/>
+            </a:endParaRPr>
           </a:p>
         </p:txBody>
       </p:sp>
@@ -4422,8 +6915,19 @@
                 <a:latin typeface="Arial" panose="020B0604020202020204" pitchFamily="34" charset="0"/>
                 <a:cs typeface="Arial" panose="020B0604020202020204" pitchFamily="34" charset="0"/>
               </a:rPr>
-              <a:t>By : Rian Rudianto</a:t>
-            </a:r>
+              <a:t>By : </a:t>
+            </a:r>
+            <a:r>
+              <a:rPr lang="en-US" sz="1400" dirty="0" err="1">
+                <a:latin typeface="Arial" panose="020B0604020202020204" pitchFamily="34" charset="0"/>
+                <a:cs typeface="Arial" panose="020B0604020202020204" pitchFamily="34" charset="0"/>
+              </a:rPr>
+              <a:t>RudiTech</a:t>
+            </a:r>
+            <a:endParaRPr lang="en-US" sz="1400" dirty="0">
+              <a:latin typeface="Arial" panose="020B0604020202020204" pitchFamily="34" charset="0"/>
+              <a:cs typeface="Arial" panose="020B0604020202020204" pitchFamily="34" charset="0"/>
+            </a:endParaRPr>
           </a:p>
         </p:txBody>
       </p:sp>
@@ -4869,8 +7373,19 @@
                 <a:latin typeface="Arial" panose="020B0604020202020204" pitchFamily="34" charset="0"/>
                 <a:cs typeface="Arial" panose="020B0604020202020204" pitchFamily="34" charset="0"/>
               </a:rPr>
-              <a:t>By : Rian Rudianto</a:t>
-            </a:r>
+              <a:t>By : </a:t>
+            </a:r>
+            <a:r>
+              <a:rPr lang="en-US" sz="1400" dirty="0" err="1">
+                <a:latin typeface="Arial" panose="020B0604020202020204" pitchFamily="34" charset="0"/>
+                <a:cs typeface="Arial" panose="020B0604020202020204" pitchFamily="34" charset="0"/>
+              </a:rPr>
+              <a:t>RudiTech</a:t>
+            </a:r>
+            <a:endParaRPr lang="en-US" sz="1400" dirty="0">
+              <a:latin typeface="Arial" panose="020B0604020202020204" pitchFamily="34" charset="0"/>
+              <a:cs typeface="Arial" panose="020B0604020202020204" pitchFamily="34" charset="0"/>
+            </a:endParaRPr>
           </a:p>
         </p:txBody>
       </p:sp>
@@ -5415,8 +7930,19 @@
                 <a:latin typeface="Arial" panose="020B0604020202020204" pitchFamily="34" charset="0"/>
                 <a:cs typeface="Arial" panose="020B0604020202020204" pitchFamily="34" charset="0"/>
               </a:rPr>
-              <a:t>By : Rian Rudianto</a:t>
-            </a:r>
+              <a:t>By : </a:t>
+            </a:r>
+            <a:r>
+              <a:rPr lang="en-US" sz="1400" dirty="0" err="1">
+                <a:latin typeface="Arial" panose="020B0604020202020204" pitchFamily="34" charset="0"/>
+                <a:cs typeface="Arial" panose="020B0604020202020204" pitchFamily="34" charset="0"/>
+              </a:rPr>
+              <a:t>RudiTech</a:t>
+            </a:r>
+            <a:endParaRPr lang="en-US" sz="1400" dirty="0">
+              <a:latin typeface="Arial" panose="020B0604020202020204" pitchFamily="34" charset="0"/>
+              <a:cs typeface="Arial" panose="020B0604020202020204" pitchFamily="34" charset="0"/>
+            </a:endParaRPr>
           </a:p>
         </p:txBody>
       </p:sp>
@@ -6001,8 +8527,19 @@
                 <a:latin typeface="Arial" panose="020B0604020202020204" pitchFamily="34" charset="0"/>
                 <a:cs typeface="Arial" panose="020B0604020202020204" pitchFamily="34" charset="0"/>
               </a:rPr>
-              <a:t>By : Rian Rudianto</a:t>
-            </a:r>
+              <a:t>By : </a:t>
+            </a:r>
+            <a:r>
+              <a:rPr lang="en-US" sz="1400" dirty="0" err="1">
+                <a:latin typeface="Arial" panose="020B0604020202020204" pitchFamily="34" charset="0"/>
+                <a:cs typeface="Arial" panose="020B0604020202020204" pitchFamily="34" charset="0"/>
+              </a:rPr>
+              <a:t>RudiTech</a:t>
+            </a:r>
+            <a:endParaRPr lang="en-US" sz="1400" dirty="0">
+              <a:latin typeface="Arial" panose="020B0604020202020204" pitchFamily="34" charset="0"/>
+              <a:cs typeface="Arial" panose="020B0604020202020204" pitchFamily="34" charset="0"/>
+            </a:endParaRPr>
           </a:p>
         </p:txBody>
       </p:sp>
@@ -6466,8 +9003,19 @@
                 <a:latin typeface="Arial" panose="020B0604020202020204" pitchFamily="34" charset="0"/>
                 <a:cs typeface="Arial" panose="020B0604020202020204" pitchFamily="34" charset="0"/>
               </a:rPr>
-              <a:t>By : Rian Rudianto</a:t>
-            </a:r>
+              <a:t>By : </a:t>
+            </a:r>
+            <a:r>
+              <a:rPr lang="en-US" sz="1400" dirty="0" err="1">
+                <a:latin typeface="Arial" panose="020B0604020202020204" pitchFamily="34" charset="0"/>
+                <a:cs typeface="Arial" panose="020B0604020202020204" pitchFamily="34" charset="0"/>
+              </a:rPr>
+              <a:t>RudiTech</a:t>
+            </a:r>
+            <a:endParaRPr lang="en-US" sz="1400" dirty="0">
+              <a:latin typeface="Arial" panose="020B0604020202020204" pitchFamily="34" charset="0"/>
+              <a:cs typeface="Arial" panose="020B0604020202020204" pitchFamily="34" charset="0"/>
+            </a:endParaRPr>
           </a:p>
         </p:txBody>
       </p:sp>
@@ -6642,6 +9190,934 @@
     <p:extLst>
       <p:ext uri="{BB962C8B-B14F-4D97-AF65-F5344CB8AC3E}">
         <p14:creationId xmlns:p14="http://schemas.microsoft.com/office/powerpoint/2010/main" val="454232180"/>
+      </p:ext>
+    </p:extLst>
+  </p:cSld>
+  <p:clrMapOvr>
+    <a:masterClrMapping/>
+  </p:clrMapOvr>
+</p:sld>
+</file>
+
+<file path=ppt/slides/slide8.xml><?xml version="1.0" encoding="utf-8"?>
+<p:sld xmlns:a="http://schemas.openxmlformats.org/drawingml/2006/main" xmlns:r="http://schemas.openxmlformats.org/officeDocument/2006/relationships" xmlns:p="http://schemas.openxmlformats.org/presentationml/2006/main">
+  <p:cSld>
+    <p:bg>
+      <p:bgPr>
+        <a:solidFill>
+          <a:srgbClr val="FFEEAF"/>
+        </a:solidFill>
+        <a:effectLst/>
+      </p:bgPr>
+    </p:bg>
+    <p:spTree>
+      <p:nvGrpSpPr>
+        <p:cNvPr id="1" name=""/>
+        <p:cNvGrpSpPr/>
+        <p:nvPr/>
+      </p:nvGrpSpPr>
+      <p:grpSpPr>
+        <a:xfrm>
+          <a:off x="0" y="0"/>
+          <a:ext cx="0" cy="0"/>
+          <a:chOff x="0" y="0"/>
+          <a:chExt cx="0" cy="0"/>
+        </a:xfrm>
+      </p:grpSpPr>
+      <p:sp>
+        <p:nvSpPr>
+          <p:cNvPr id="5" name="Hexagon 4">
+            <a:extLst>
+              <a:ext uri="{FF2B5EF4-FFF2-40B4-BE49-F238E27FC236}">
+                <a16:creationId xmlns:a16="http://schemas.microsoft.com/office/drawing/2014/main" id="{A6FC8D59-F2EA-41B6-9B2B-691D69848BF4}"/>
+              </a:ext>
+            </a:extLst>
+          </p:cNvPr>
+          <p:cNvSpPr/>
+          <p:nvPr/>
+        </p:nvSpPr>
+        <p:spPr>
+          <a:xfrm>
+            <a:off x="0" y="6382139"/>
+            <a:ext cx="12192000" cy="475861"/>
+          </a:xfrm>
+          <a:prstGeom prst="hexagon">
+            <a:avLst/>
+          </a:prstGeom>
+          <a:solidFill>
+            <a:srgbClr val="FDDC99"/>
+          </a:solidFill>
+          <a:ln>
+            <a:noFill/>
+          </a:ln>
+        </p:spPr>
+        <p:style>
+          <a:lnRef idx="2">
+            <a:schemeClr val="accent1">
+              <a:shade val="50000"/>
+            </a:schemeClr>
+          </a:lnRef>
+          <a:fillRef idx="1">
+            <a:schemeClr val="accent1"/>
+          </a:fillRef>
+          <a:effectRef idx="0">
+            <a:schemeClr val="accent1"/>
+          </a:effectRef>
+          <a:fontRef idx="minor">
+            <a:schemeClr val="lt1"/>
+          </a:fontRef>
+        </p:style>
+        <p:txBody>
+          <a:bodyPr rtlCol="0" anchor="ctr"/>
+          <a:lstStyle/>
+          <a:p>
+            <a:pPr algn="ctr"/>
+            <a:endParaRPr lang="en-US"/>
+          </a:p>
+        </p:txBody>
+      </p:sp>
+      <p:sp>
+        <p:nvSpPr>
+          <p:cNvPr id="6" name="TextBox 5">
+            <a:extLst>
+              <a:ext uri="{FF2B5EF4-FFF2-40B4-BE49-F238E27FC236}">
+                <a16:creationId xmlns:a16="http://schemas.microsoft.com/office/drawing/2014/main" id="{BB556249-D6C3-4CAE-9C8A-F2F6FD9A0527}"/>
+              </a:ext>
+            </a:extLst>
+          </p:cNvPr>
+          <p:cNvSpPr txBox="1"/>
+          <p:nvPr/>
+        </p:nvSpPr>
+        <p:spPr>
+          <a:xfrm>
+            <a:off x="139961" y="6466180"/>
+            <a:ext cx="1352938" cy="307777"/>
+          </a:xfrm>
+          <a:prstGeom prst="rect">
+            <a:avLst/>
+          </a:prstGeom>
+          <a:noFill/>
+        </p:spPr>
+        <p:txBody>
+          <a:bodyPr wrap="square" rtlCol="0">
+            <a:spAutoFit/>
+          </a:bodyPr>
+          <a:lstStyle/>
+          <a:p>
+            <a:r>
+              <a:rPr lang="en-US" sz="1400" dirty="0">
+                <a:latin typeface="Arial" panose="020B0604020202020204" pitchFamily="34" charset="0"/>
+                <a:cs typeface="Arial" panose="020B0604020202020204" pitchFamily="34" charset="0"/>
+              </a:rPr>
+              <a:t>Learn Dot Net</a:t>
+            </a:r>
+          </a:p>
+        </p:txBody>
+      </p:sp>
+      <p:pic>
+        <p:nvPicPr>
+          <p:cNvPr id="8" name="Picture 7">
+            <a:extLst>
+              <a:ext uri="{FF2B5EF4-FFF2-40B4-BE49-F238E27FC236}">
+                <a16:creationId xmlns:a16="http://schemas.microsoft.com/office/drawing/2014/main" id="{5B12481C-3788-4717-8B01-26D84395E517}"/>
+              </a:ext>
+            </a:extLst>
+          </p:cNvPr>
+          <p:cNvPicPr>
+            <a:picLocks noChangeAspect="1"/>
+          </p:cNvPicPr>
+          <p:nvPr/>
+        </p:nvPicPr>
+        <p:blipFill>
+          <a:blip r:embed="rId2">
+            <a:extLst>
+              <a:ext uri="{28A0092B-C50C-407E-A947-70E740481C1C}">
+                <a14:useLocalDpi xmlns:a14="http://schemas.microsoft.com/office/drawing/2010/main" val="0"/>
+              </a:ext>
+            </a:extLst>
+          </a:blip>
+          <a:stretch>
+            <a:fillRect/>
+          </a:stretch>
+        </p:blipFill>
+        <p:spPr>
+          <a:xfrm>
+            <a:off x="2771532" y="6418581"/>
+            <a:ext cx="428532" cy="428532"/>
+          </a:xfrm>
+          <a:prstGeom prst="rect">
+            <a:avLst/>
+          </a:prstGeom>
+        </p:spPr>
+      </p:pic>
+      <p:pic>
+        <p:nvPicPr>
+          <p:cNvPr id="10" name="Picture 9">
+            <a:extLst>
+              <a:ext uri="{FF2B5EF4-FFF2-40B4-BE49-F238E27FC236}">
+                <a16:creationId xmlns:a16="http://schemas.microsoft.com/office/drawing/2014/main" id="{345E9388-4C0F-42C1-98B3-01F36604E654}"/>
+              </a:ext>
+            </a:extLst>
+          </p:cNvPr>
+          <p:cNvPicPr>
+            <a:picLocks noChangeAspect="1"/>
+          </p:cNvPicPr>
+          <p:nvPr/>
+        </p:nvPicPr>
+        <p:blipFill>
+          <a:blip r:embed="rId3">
+            <a:extLst>
+              <a:ext uri="{28A0092B-C50C-407E-A947-70E740481C1C}">
+                <a14:useLocalDpi xmlns:a14="http://schemas.microsoft.com/office/drawing/2010/main" val="0"/>
+              </a:ext>
+            </a:extLst>
+          </a:blip>
+          <a:stretch>
+            <a:fillRect/>
+          </a:stretch>
+        </p:blipFill>
+        <p:spPr>
+          <a:xfrm>
+            <a:off x="2030676" y="6304262"/>
+            <a:ext cx="631611" cy="631611"/>
+          </a:xfrm>
+          <a:prstGeom prst="rect">
+            <a:avLst/>
+          </a:prstGeom>
+        </p:spPr>
+      </p:pic>
+      <p:pic>
+        <p:nvPicPr>
+          <p:cNvPr id="12" name="Picture 11">
+            <a:extLst>
+              <a:ext uri="{FF2B5EF4-FFF2-40B4-BE49-F238E27FC236}">
+                <a16:creationId xmlns:a16="http://schemas.microsoft.com/office/drawing/2014/main" id="{A5532C44-1A73-45B2-A058-A2341A56D443}"/>
+              </a:ext>
+            </a:extLst>
+          </p:cNvPr>
+          <p:cNvPicPr>
+            <a:picLocks noChangeAspect="1"/>
+          </p:cNvPicPr>
+          <p:nvPr/>
+        </p:nvPicPr>
+        <p:blipFill>
+          <a:blip r:embed="rId4">
+            <a:extLst>
+              <a:ext uri="{28A0092B-C50C-407E-A947-70E740481C1C}">
+                <a14:useLocalDpi xmlns:a14="http://schemas.microsoft.com/office/drawing/2010/main" val="0"/>
+              </a:ext>
+            </a:extLst>
+          </a:blip>
+          <a:stretch>
+            <a:fillRect/>
+          </a:stretch>
+        </p:blipFill>
+        <p:spPr>
+          <a:xfrm>
+            <a:off x="1492899" y="6418581"/>
+            <a:ext cx="428532" cy="428532"/>
+          </a:xfrm>
+          <a:prstGeom prst="rect">
+            <a:avLst/>
+          </a:prstGeom>
+        </p:spPr>
+      </p:pic>
+      <p:sp>
+        <p:nvSpPr>
+          <p:cNvPr id="13" name="TextBox 12">
+            <a:extLst>
+              <a:ext uri="{FF2B5EF4-FFF2-40B4-BE49-F238E27FC236}">
+                <a16:creationId xmlns:a16="http://schemas.microsoft.com/office/drawing/2014/main" id="{C3FCE596-B98C-4E60-9745-82E26D583434}"/>
+              </a:ext>
+            </a:extLst>
+          </p:cNvPr>
+          <p:cNvSpPr txBox="1"/>
+          <p:nvPr/>
+        </p:nvSpPr>
+        <p:spPr>
+          <a:xfrm>
+            <a:off x="10291665" y="6478958"/>
+            <a:ext cx="1760374" cy="307777"/>
+          </a:xfrm>
+          <a:prstGeom prst="rect">
+            <a:avLst/>
+          </a:prstGeom>
+          <a:noFill/>
+        </p:spPr>
+        <p:txBody>
+          <a:bodyPr wrap="square" rtlCol="0">
+            <a:spAutoFit/>
+          </a:bodyPr>
+          <a:lstStyle/>
+          <a:p>
+            <a:r>
+              <a:rPr lang="en-US" sz="1400" dirty="0">
+                <a:latin typeface="Arial" panose="020B0604020202020204" pitchFamily="34" charset="0"/>
+                <a:cs typeface="Arial" panose="020B0604020202020204" pitchFamily="34" charset="0"/>
+              </a:rPr>
+              <a:t>By : </a:t>
+            </a:r>
+            <a:r>
+              <a:rPr lang="en-US" sz="1400" dirty="0" err="1">
+                <a:latin typeface="Arial" panose="020B0604020202020204" pitchFamily="34" charset="0"/>
+                <a:cs typeface="Arial" panose="020B0604020202020204" pitchFamily="34" charset="0"/>
+              </a:rPr>
+              <a:t>RudiTech</a:t>
+            </a:r>
+            <a:endParaRPr lang="en-US" sz="1400" dirty="0">
+              <a:latin typeface="Arial" panose="020B0604020202020204" pitchFamily="34" charset="0"/>
+              <a:cs typeface="Arial" panose="020B0604020202020204" pitchFamily="34" charset="0"/>
+            </a:endParaRPr>
+          </a:p>
+        </p:txBody>
+      </p:sp>
+      <p:sp>
+        <p:nvSpPr>
+          <p:cNvPr id="14" name="Rectangle 13">
+            <a:extLst>
+              <a:ext uri="{FF2B5EF4-FFF2-40B4-BE49-F238E27FC236}">
+                <a16:creationId xmlns:a16="http://schemas.microsoft.com/office/drawing/2014/main" id="{56594CDC-B886-42B2-9388-90151F75FFEB}"/>
+              </a:ext>
+            </a:extLst>
+          </p:cNvPr>
+          <p:cNvSpPr/>
+          <p:nvPr/>
+        </p:nvSpPr>
+        <p:spPr>
+          <a:xfrm>
+            <a:off x="2876938" y="1642187"/>
+            <a:ext cx="6438123" cy="3573625"/>
+          </a:xfrm>
+          <a:prstGeom prst="rect">
+            <a:avLst/>
+          </a:prstGeom>
+          <a:solidFill>
+            <a:srgbClr val="FFFFD1"/>
+          </a:solidFill>
+          <a:ln>
+            <a:noFill/>
+          </a:ln>
+        </p:spPr>
+        <p:style>
+          <a:lnRef idx="2">
+            <a:schemeClr val="accent1">
+              <a:shade val="50000"/>
+            </a:schemeClr>
+          </a:lnRef>
+          <a:fillRef idx="1">
+            <a:schemeClr val="accent1"/>
+          </a:fillRef>
+          <a:effectRef idx="0">
+            <a:schemeClr val="accent1"/>
+          </a:effectRef>
+          <a:fontRef idx="minor">
+            <a:schemeClr val="lt1"/>
+          </a:fontRef>
+        </p:style>
+        <p:txBody>
+          <a:bodyPr rtlCol="0" anchor="ctr"/>
+          <a:lstStyle/>
+          <a:p>
+            <a:pPr algn="ctr"/>
+            <a:endParaRPr lang="en-US" dirty="0"/>
+          </a:p>
+        </p:txBody>
+      </p:sp>
+      <p:sp>
+        <p:nvSpPr>
+          <p:cNvPr id="16" name="TextBox 15">
+            <a:extLst>
+              <a:ext uri="{FF2B5EF4-FFF2-40B4-BE49-F238E27FC236}">
+                <a16:creationId xmlns:a16="http://schemas.microsoft.com/office/drawing/2014/main" id="{362C83C0-F879-4D86-88D6-8C5F22FB3A85}"/>
+              </a:ext>
+            </a:extLst>
+          </p:cNvPr>
+          <p:cNvSpPr txBox="1"/>
+          <p:nvPr/>
+        </p:nvSpPr>
+        <p:spPr>
+          <a:xfrm>
+            <a:off x="2876937" y="1642186"/>
+            <a:ext cx="6438123" cy="923330"/>
+          </a:xfrm>
+          <a:prstGeom prst="rect">
+            <a:avLst/>
+          </a:prstGeom>
+          <a:noFill/>
+        </p:spPr>
+        <p:txBody>
+          <a:bodyPr wrap="square" rtlCol="0">
+            <a:spAutoFit/>
+          </a:bodyPr>
+          <a:lstStyle/>
+          <a:p>
+            <a:r>
+              <a:rPr lang="en-US" dirty="0">
+                <a:latin typeface="Arial" panose="020B0604020202020204" pitchFamily="34" charset="0"/>
+                <a:cs typeface="Arial" panose="020B0604020202020204" pitchFamily="34" charset="0"/>
+              </a:rPr>
+              <a:t>Day 2</a:t>
+            </a:r>
+          </a:p>
+          <a:p>
+            <a:endParaRPr lang="en-US" dirty="0">
+              <a:latin typeface="Arial" panose="020B0604020202020204" pitchFamily="34" charset="0"/>
+              <a:cs typeface="Arial" panose="020B0604020202020204" pitchFamily="34" charset="0"/>
+            </a:endParaRPr>
+          </a:p>
+          <a:p>
+            <a:pPr marL="285750" indent="-285750">
+              <a:buFont typeface="Arial" panose="020B0604020202020204" pitchFamily="34" charset="0"/>
+              <a:buChar char="•"/>
+            </a:pPr>
+            <a:r>
+              <a:rPr lang="en-US" dirty="0">
+                <a:latin typeface="Arial" panose="020B0604020202020204" pitchFamily="34" charset="0"/>
+                <a:cs typeface="Arial" panose="020B0604020202020204" pitchFamily="34" charset="0"/>
+              </a:rPr>
+              <a:t>Create First Endpoint</a:t>
+            </a:r>
+          </a:p>
+        </p:txBody>
+      </p:sp>
+    </p:spTree>
+    <p:extLst>
+      <p:ext uri="{BB962C8B-B14F-4D97-AF65-F5344CB8AC3E}">
+        <p14:creationId xmlns:p14="http://schemas.microsoft.com/office/powerpoint/2010/main" val="2631276640"/>
+      </p:ext>
+    </p:extLst>
+  </p:cSld>
+  <p:clrMapOvr>
+    <a:masterClrMapping/>
+  </p:clrMapOvr>
+</p:sld>
+</file>
+
+<file path=ppt/slides/slide9.xml><?xml version="1.0" encoding="utf-8"?>
+<p:sld xmlns:a="http://schemas.openxmlformats.org/drawingml/2006/main" xmlns:r="http://schemas.openxmlformats.org/officeDocument/2006/relationships" xmlns:p="http://schemas.openxmlformats.org/presentationml/2006/main">
+  <p:cSld>
+    <p:bg>
+      <p:bgPr>
+        <a:solidFill>
+          <a:srgbClr val="FFEEAF"/>
+        </a:solidFill>
+        <a:effectLst/>
+      </p:bgPr>
+    </p:bg>
+    <p:spTree>
+      <p:nvGrpSpPr>
+        <p:cNvPr id="1" name=""/>
+        <p:cNvGrpSpPr/>
+        <p:nvPr/>
+      </p:nvGrpSpPr>
+      <p:grpSpPr>
+        <a:xfrm>
+          <a:off x="0" y="0"/>
+          <a:ext cx="0" cy="0"/>
+          <a:chOff x="0" y="0"/>
+          <a:chExt cx="0" cy="0"/>
+        </a:xfrm>
+      </p:grpSpPr>
+      <p:sp>
+        <p:nvSpPr>
+          <p:cNvPr id="5" name="Hexagon 4">
+            <a:extLst>
+              <a:ext uri="{FF2B5EF4-FFF2-40B4-BE49-F238E27FC236}">
+                <a16:creationId xmlns:a16="http://schemas.microsoft.com/office/drawing/2014/main" id="{A6FC8D59-F2EA-41B6-9B2B-691D69848BF4}"/>
+              </a:ext>
+            </a:extLst>
+          </p:cNvPr>
+          <p:cNvSpPr/>
+          <p:nvPr/>
+        </p:nvSpPr>
+        <p:spPr>
+          <a:xfrm>
+            <a:off x="0" y="6382139"/>
+            <a:ext cx="12192000" cy="475861"/>
+          </a:xfrm>
+          <a:prstGeom prst="hexagon">
+            <a:avLst/>
+          </a:prstGeom>
+          <a:solidFill>
+            <a:srgbClr val="FDDC99"/>
+          </a:solidFill>
+          <a:ln>
+            <a:noFill/>
+          </a:ln>
+        </p:spPr>
+        <p:style>
+          <a:lnRef idx="2">
+            <a:schemeClr val="accent1">
+              <a:shade val="50000"/>
+            </a:schemeClr>
+          </a:lnRef>
+          <a:fillRef idx="1">
+            <a:schemeClr val="accent1"/>
+          </a:fillRef>
+          <a:effectRef idx="0">
+            <a:schemeClr val="accent1"/>
+          </a:effectRef>
+          <a:fontRef idx="minor">
+            <a:schemeClr val="lt1"/>
+          </a:fontRef>
+        </p:style>
+        <p:txBody>
+          <a:bodyPr rtlCol="0" anchor="ctr"/>
+          <a:lstStyle/>
+          <a:p>
+            <a:pPr algn="ctr"/>
+            <a:endParaRPr lang="en-US"/>
+          </a:p>
+        </p:txBody>
+      </p:sp>
+      <p:sp>
+        <p:nvSpPr>
+          <p:cNvPr id="6" name="TextBox 5">
+            <a:extLst>
+              <a:ext uri="{FF2B5EF4-FFF2-40B4-BE49-F238E27FC236}">
+                <a16:creationId xmlns:a16="http://schemas.microsoft.com/office/drawing/2014/main" id="{BB556249-D6C3-4CAE-9C8A-F2F6FD9A0527}"/>
+              </a:ext>
+            </a:extLst>
+          </p:cNvPr>
+          <p:cNvSpPr txBox="1"/>
+          <p:nvPr/>
+        </p:nvSpPr>
+        <p:spPr>
+          <a:xfrm>
+            <a:off x="139961" y="6466180"/>
+            <a:ext cx="1352938" cy="307777"/>
+          </a:xfrm>
+          <a:prstGeom prst="rect">
+            <a:avLst/>
+          </a:prstGeom>
+          <a:noFill/>
+        </p:spPr>
+        <p:txBody>
+          <a:bodyPr wrap="square" rtlCol="0">
+            <a:spAutoFit/>
+          </a:bodyPr>
+          <a:lstStyle/>
+          <a:p>
+            <a:r>
+              <a:rPr lang="en-US" sz="1400" dirty="0">
+                <a:latin typeface="Arial" panose="020B0604020202020204" pitchFamily="34" charset="0"/>
+                <a:cs typeface="Arial" panose="020B0604020202020204" pitchFamily="34" charset="0"/>
+              </a:rPr>
+              <a:t>Learn Dot Net</a:t>
+            </a:r>
+          </a:p>
+        </p:txBody>
+      </p:sp>
+      <p:pic>
+        <p:nvPicPr>
+          <p:cNvPr id="8" name="Picture 7">
+            <a:extLst>
+              <a:ext uri="{FF2B5EF4-FFF2-40B4-BE49-F238E27FC236}">
+                <a16:creationId xmlns:a16="http://schemas.microsoft.com/office/drawing/2014/main" id="{5B12481C-3788-4717-8B01-26D84395E517}"/>
+              </a:ext>
+            </a:extLst>
+          </p:cNvPr>
+          <p:cNvPicPr>
+            <a:picLocks noChangeAspect="1"/>
+          </p:cNvPicPr>
+          <p:nvPr/>
+        </p:nvPicPr>
+        <p:blipFill>
+          <a:blip r:embed="rId2">
+            <a:extLst>
+              <a:ext uri="{28A0092B-C50C-407E-A947-70E740481C1C}">
+                <a14:useLocalDpi xmlns:a14="http://schemas.microsoft.com/office/drawing/2010/main" val="0"/>
+              </a:ext>
+            </a:extLst>
+          </a:blip>
+          <a:stretch>
+            <a:fillRect/>
+          </a:stretch>
+        </p:blipFill>
+        <p:spPr>
+          <a:xfrm>
+            <a:off x="2771532" y="6418581"/>
+            <a:ext cx="428532" cy="428532"/>
+          </a:xfrm>
+          <a:prstGeom prst="rect">
+            <a:avLst/>
+          </a:prstGeom>
+        </p:spPr>
+      </p:pic>
+      <p:pic>
+        <p:nvPicPr>
+          <p:cNvPr id="10" name="Picture 9">
+            <a:extLst>
+              <a:ext uri="{FF2B5EF4-FFF2-40B4-BE49-F238E27FC236}">
+                <a16:creationId xmlns:a16="http://schemas.microsoft.com/office/drawing/2014/main" id="{345E9388-4C0F-42C1-98B3-01F36604E654}"/>
+              </a:ext>
+            </a:extLst>
+          </p:cNvPr>
+          <p:cNvPicPr>
+            <a:picLocks noChangeAspect="1"/>
+          </p:cNvPicPr>
+          <p:nvPr/>
+        </p:nvPicPr>
+        <p:blipFill>
+          <a:blip r:embed="rId3">
+            <a:extLst>
+              <a:ext uri="{28A0092B-C50C-407E-A947-70E740481C1C}">
+                <a14:useLocalDpi xmlns:a14="http://schemas.microsoft.com/office/drawing/2010/main" val="0"/>
+              </a:ext>
+            </a:extLst>
+          </a:blip>
+          <a:stretch>
+            <a:fillRect/>
+          </a:stretch>
+        </p:blipFill>
+        <p:spPr>
+          <a:xfrm>
+            <a:off x="2030676" y="6304262"/>
+            <a:ext cx="631611" cy="631611"/>
+          </a:xfrm>
+          <a:prstGeom prst="rect">
+            <a:avLst/>
+          </a:prstGeom>
+        </p:spPr>
+      </p:pic>
+      <p:pic>
+        <p:nvPicPr>
+          <p:cNvPr id="12" name="Picture 11">
+            <a:extLst>
+              <a:ext uri="{FF2B5EF4-FFF2-40B4-BE49-F238E27FC236}">
+                <a16:creationId xmlns:a16="http://schemas.microsoft.com/office/drawing/2014/main" id="{A5532C44-1A73-45B2-A058-A2341A56D443}"/>
+              </a:ext>
+            </a:extLst>
+          </p:cNvPr>
+          <p:cNvPicPr>
+            <a:picLocks noChangeAspect="1"/>
+          </p:cNvPicPr>
+          <p:nvPr/>
+        </p:nvPicPr>
+        <p:blipFill>
+          <a:blip r:embed="rId4">
+            <a:extLst>
+              <a:ext uri="{28A0092B-C50C-407E-A947-70E740481C1C}">
+                <a14:useLocalDpi xmlns:a14="http://schemas.microsoft.com/office/drawing/2010/main" val="0"/>
+              </a:ext>
+            </a:extLst>
+          </a:blip>
+          <a:stretch>
+            <a:fillRect/>
+          </a:stretch>
+        </p:blipFill>
+        <p:spPr>
+          <a:xfrm>
+            <a:off x="1492899" y="6418581"/>
+            <a:ext cx="428532" cy="428532"/>
+          </a:xfrm>
+          <a:prstGeom prst="rect">
+            <a:avLst/>
+          </a:prstGeom>
+        </p:spPr>
+      </p:pic>
+      <p:sp>
+        <p:nvSpPr>
+          <p:cNvPr id="13" name="TextBox 12">
+            <a:extLst>
+              <a:ext uri="{FF2B5EF4-FFF2-40B4-BE49-F238E27FC236}">
+                <a16:creationId xmlns:a16="http://schemas.microsoft.com/office/drawing/2014/main" id="{C3FCE596-B98C-4E60-9745-82E26D583434}"/>
+              </a:ext>
+            </a:extLst>
+          </p:cNvPr>
+          <p:cNvSpPr txBox="1"/>
+          <p:nvPr/>
+        </p:nvSpPr>
+        <p:spPr>
+          <a:xfrm>
+            <a:off x="10291665" y="6478958"/>
+            <a:ext cx="1760374" cy="307777"/>
+          </a:xfrm>
+          <a:prstGeom prst="rect">
+            <a:avLst/>
+          </a:prstGeom>
+          <a:noFill/>
+        </p:spPr>
+        <p:txBody>
+          <a:bodyPr wrap="square" rtlCol="0">
+            <a:spAutoFit/>
+          </a:bodyPr>
+          <a:lstStyle/>
+          <a:p>
+            <a:r>
+              <a:rPr lang="en-US" sz="1400" dirty="0">
+                <a:latin typeface="Arial" panose="020B0604020202020204" pitchFamily="34" charset="0"/>
+                <a:cs typeface="Arial" panose="020B0604020202020204" pitchFamily="34" charset="0"/>
+              </a:rPr>
+              <a:t>By : </a:t>
+            </a:r>
+            <a:r>
+              <a:rPr lang="en-US" sz="1400" dirty="0" err="1">
+                <a:latin typeface="Arial" panose="020B0604020202020204" pitchFamily="34" charset="0"/>
+                <a:cs typeface="Arial" panose="020B0604020202020204" pitchFamily="34" charset="0"/>
+              </a:rPr>
+              <a:t>RudiTech</a:t>
+            </a:r>
+            <a:endParaRPr lang="en-US" sz="1400" dirty="0">
+              <a:latin typeface="Arial" panose="020B0604020202020204" pitchFamily="34" charset="0"/>
+              <a:cs typeface="Arial" panose="020B0604020202020204" pitchFamily="34" charset="0"/>
+            </a:endParaRPr>
+          </a:p>
+        </p:txBody>
+      </p:sp>
+      <p:sp>
+        <p:nvSpPr>
+          <p:cNvPr id="16" name="TextBox 15">
+            <a:extLst>
+              <a:ext uri="{FF2B5EF4-FFF2-40B4-BE49-F238E27FC236}">
+                <a16:creationId xmlns:a16="http://schemas.microsoft.com/office/drawing/2014/main" id="{362C83C0-F879-4D86-88D6-8C5F22FB3A85}"/>
+              </a:ext>
+            </a:extLst>
+          </p:cNvPr>
+          <p:cNvSpPr txBox="1"/>
+          <p:nvPr/>
+        </p:nvSpPr>
+        <p:spPr>
+          <a:xfrm>
+            <a:off x="816430" y="1688839"/>
+            <a:ext cx="5279569" cy="1569660"/>
+          </a:xfrm>
+          <a:prstGeom prst="rect">
+            <a:avLst/>
+          </a:prstGeom>
+          <a:noFill/>
+        </p:spPr>
+        <p:txBody>
+          <a:bodyPr wrap="square" rtlCol="0">
+            <a:spAutoFit/>
+          </a:bodyPr>
+          <a:lstStyle/>
+          <a:p>
+            <a:pPr algn="just"/>
+            <a:r>
+              <a:rPr lang="en-US" sz="2000" b="1" dirty="0">
+                <a:latin typeface="Arial" panose="020B0604020202020204" pitchFamily="34" charset="0"/>
+                <a:cs typeface="Arial" panose="020B0604020202020204" pitchFamily="34" charset="0"/>
+              </a:rPr>
+              <a:t>Structure project web API</a:t>
+            </a:r>
+          </a:p>
+          <a:p>
+            <a:pPr algn="just"/>
+            <a:endParaRPr lang="en-US" sz="2000" b="1" dirty="0">
+              <a:latin typeface="Arial" panose="020B0604020202020204" pitchFamily="34" charset="0"/>
+              <a:cs typeface="Arial" panose="020B0604020202020204" pitchFamily="34" charset="0"/>
+            </a:endParaRPr>
+          </a:p>
+          <a:p>
+            <a:pPr marL="342900" indent="-342900" algn="just">
+              <a:buFont typeface="Arial" panose="020B0604020202020204" pitchFamily="34" charset="0"/>
+              <a:buChar char="•"/>
+            </a:pPr>
+            <a:r>
+              <a:rPr lang="en-US" sz="1400" b="1" dirty="0">
+                <a:latin typeface="Arial" panose="020B0604020202020204" pitchFamily="34" charset="0"/>
+                <a:cs typeface="Arial" panose="020B0604020202020204" pitchFamily="34" charset="0"/>
+              </a:rPr>
+              <a:t>Controller : </a:t>
+            </a:r>
+            <a:r>
+              <a:rPr lang="en-US" sz="1400" dirty="0">
+                <a:latin typeface="Arial" panose="020B0604020202020204" pitchFamily="34" charset="0"/>
+                <a:cs typeface="Arial" panose="020B0604020202020204" pitchFamily="34" charset="0"/>
+              </a:rPr>
+              <a:t>contains the controller file (API Endpoint)</a:t>
+            </a:r>
+          </a:p>
+          <a:p>
+            <a:pPr marL="342900" indent="-342900" algn="just">
+              <a:buFont typeface="Arial" panose="020B0604020202020204" pitchFamily="34" charset="0"/>
+              <a:buChar char="•"/>
+            </a:pPr>
+            <a:r>
+              <a:rPr lang="en-US" sz="1400" b="1" dirty="0">
+                <a:latin typeface="Arial" panose="020B0604020202020204" pitchFamily="34" charset="0"/>
+                <a:cs typeface="Arial" panose="020B0604020202020204" pitchFamily="34" charset="0"/>
+              </a:rPr>
+              <a:t>Models : </a:t>
+            </a:r>
+            <a:r>
+              <a:rPr lang="en-US" sz="1400" dirty="0">
+                <a:latin typeface="Arial" panose="020B0604020202020204" pitchFamily="34" charset="0"/>
+                <a:cs typeface="Arial" panose="020B0604020202020204" pitchFamily="34" charset="0"/>
+              </a:rPr>
+              <a:t>contains file for data (DTO/Entity)</a:t>
+            </a:r>
+          </a:p>
+          <a:p>
+            <a:pPr marL="342900" indent="-342900" algn="just">
+              <a:buFont typeface="Arial" panose="020B0604020202020204" pitchFamily="34" charset="0"/>
+              <a:buChar char="•"/>
+            </a:pPr>
+            <a:r>
+              <a:rPr lang="en-US" sz="1400" b="1" dirty="0" err="1">
+                <a:latin typeface="Arial" panose="020B0604020202020204" pitchFamily="34" charset="0"/>
+                <a:cs typeface="Arial" panose="020B0604020202020204" pitchFamily="34" charset="0"/>
+              </a:rPr>
+              <a:t>Program.cs</a:t>
+            </a:r>
+            <a:r>
+              <a:rPr lang="en-US" sz="1400" b="1" dirty="0">
+                <a:latin typeface="Arial" panose="020B0604020202020204" pitchFamily="34" charset="0"/>
+                <a:cs typeface="Arial" panose="020B0604020202020204" pitchFamily="34" charset="0"/>
+              </a:rPr>
+              <a:t> : </a:t>
+            </a:r>
+            <a:r>
+              <a:rPr lang="en-US" sz="1400" dirty="0" err="1">
+                <a:latin typeface="Arial" panose="020B0604020202020204" pitchFamily="34" charset="0"/>
+                <a:cs typeface="Arial" panose="020B0604020202020204" pitchFamily="34" charset="0"/>
+              </a:rPr>
+              <a:t>mainte</a:t>
+            </a:r>
+            <a:r>
+              <a:rPr lang="en-US" sz="1400" dirty="0">
+                <a:latin typeface="Arial" panose="020B0604020202020204" pitchFamily="34" charset="0"/>
+                <a:cs typeface="Arial" panose="020B0604020202020204" pitchFamily="34" charset="0"/>
+              </a:rPr>
+              <a:t> app configuration</a:t>
+            </a:r>
+          </a:p>
+          <a:p>
+            <a:pPr marL="342900" indent="-342900" algn="just">
+              <a:buFont typeface="Arial" panose="020B0604020202020204" pitchFamily="34" charset="0"/>
+              <a:buChar char="•"/>
+            </a:pPr>
+            <a:r>
+              <a:rPr lang="en-US" sz="1400" b="1" dirty="0" err="1">
+                <a:latin typeface="Arial" panose="020B0604020202020204" pitchFamily="34" charset="0"/>
+                <a:cs typeface="Arial" panose="020B0604020202020204" pitchFamily="34" charset="0"/>
+              </a:rPr>
+              <a:t>appsettings.json</a:t>
+            </a:r>
+            <a:r>
+              <a:rPr lang="en-US" sz="1400" b="1" dirty="0">
+                <a:latin typeface="Arial" panose="020B0604020202020204" pitchFamily="34" charset="0"/>
+                <a:cs typeface="Arial" panose="020B0604020202020204" pitchFamily="34" charset="0"/>
+              </a:rPr>
+              <a:t> : </a:t>
+            </a:r>
+            <a:r>
+              <a:rPr lang="en-US" sz="1400" dirty="0">
+                <a:latin typeface="Arial" panose="020B0604020202020204" pitchFamily="34" charset="0"/>
+                <a:cs typeface="Arial" panose="020B0604020202020204" pitchFamily="34" charset="0"/>
+              </a:rPr>
+              <a:t>configuration (database)</a:t>
+            </a:r>
+            <a:endParaRPr lang="en-US" sz="1400" b="1" dirty="0">
+              <a:latin typeface="Arial" panose="020B0604020202020204" pitchFamily="34" charset="0"/>
+              <a:cs typeface="Arial" panose="020B0604020202020204" pitchFamily="34" charset="0"/>
+            </a:endParaRPr>
+          </a:p>
+        </p:txBody>
+      </p:sp>
+      <p:sp>
+        <p:nvSpPr>
+          <p:cNvPr id="2" name="Rectangle 1">
+            <a:extLst>
+              <a:ext uri="{FF2B5EF4-FFF2-40B4-BE49-F238E27FC236}">
+                <a16:creationId xmlns:a16="http://schemas.microsoft.com/office/drawing/2014/main" id="{9C0726B1-7C9F-475E-9A67-2494BAECFE27}"/>
+              </a:ext>
+            </a:extLst>
+          </p:cNvPr>
+          <p:cNvSpPr/>
+          <p:nvPr/>
+        </p:nvSpPr>
+        <p:spPr>
+          <a:xfrm>
+            <a:off x="905069" y="1054359"/>
+            <a:ext cx="587830" cy="83976"/>
+          </a:xfrm>
+          <a:prstGeom prst="rect">
+            <a:avLst/>
+          </a:prstGeom>
+          <a:solidFill>
+            <a:schemeClr val="accent4"/>
+          </a:solidFill>
+        </p:spPr>
+        <p:style>
+          <a:lnRef idx="2">
+            <a:schemeClr val="accent1">
+              <a:shade val="50000"/>
+            </a:schemeClr>
+          </a:lnRef>
+          <a:fillRef idx="1">
+            <a:schemeClr val="accent1"/>
+          </a:fillRef>
+          <a:effectRef idx="0">
+            <a:schemeClr val="accent1"/>
+          </a:effectRef>
+          <a:fontRef idx="minor">
+            <a:schemeClr val="lt1"/>
+          </a:fontRef>
+        </p:style>
+        <p:txBody>
+          <a:bodyPr rtlCol="0" anchor="ctr"/>
+          <a:lstStyle/>
+          <a:p>
+            <a:pPr algn="ctr"/>
+            <a:endParaRPr lang="en-US"/>
+          </a:p>
+        </p:txBody>
+      </p:sp>
+      <p:sp>
+        <p:nvSpPr>
+          <p:cNvPr id="11" name="Rectangle 10">
+            <a:extLst>
+              <a:ext uri="{FF2B5EF4-FFF2-40B4-BE49-F238E27FC236}">
+                <a16:creationId xmlns:a16="http://schemas.microsoft.com/office/drawing/2014/main" id="{7934963B-1024-4582-BFAD-7FE21B7788C5}"/>
+              </a:ext>
+            </a:extLst>
+          </p:cNvPr>
+          <p:cNvSpPr/>
+          <p:nvPr/>
+        </p:nvSpPr>
+        <p:spPr>
+          <a:xfrm>
+            <a:off x="1486673" y="1057472"/>
+            <a:ext cx="587830" cy="83976"/>
+          </a:xfrm>
+          <a:prstGeom prst="rect">
+            <a:avLst/>
+          </a:prstGeom>
+          <a:solidFill>
+            <a:srgbClr val="00B050"/>
+          </a:solidFill>
+        </p:spPr>
+        <p:style>
+          <a:lnRef idx="2">
+            <a:schemeClr val="accent1">
+              <a:shade val="50000"/>
+            </a:schemeClr>
+          </a:lnRef>
+          <a:fillRef idx="1">
+            <a:schemeClr val="accent1"/>
+          </a:fillRef>
+          <a:effectRef idx="0">
+            <a:schemeClr val="accent1"/>
+          </a:effectRef>
+          <a:fontRef idx="minor">
+            <a:schemeClr val="lt1"/>
+          </a:fontRef>
+        </p:style>
+        <p:txBody>
+          <a:bodyPr rtlCol="0" anchor="ctr"/>
+          <a:lstStyle/>
+          <a:p>
+            <a:pPr algn="ctr"/>
+            <a:endParaRPr lang="en-US"/>
+          </a:p>
+        </p:txBody>
+      </p:sp>
+    </p:spTree>
+    <p:extLst>
+      <p:ext uri="{BB962C8B-B14F-4D97-AF65-F5344CB8AC3E}">
+        <p14:creationId xmlns:p14="http://schemas.microsoft.com/office/powerpoint/2010/main" val="3822020691"/>
       </p:ext>
     </p:extLst>
   </p:cSld>
